--- a/assignment7/PRE_MACppt.pptx
+++ b/assignment7/PRE_MACppt.pptx
@@ -1,17 +1,17 @@
 
 <file path=ppt/presentation.xml><?xml version="1.0" encoding="utf-8"?>
-<p:presentation xmlns:a="http://schemas.openxmlformats.org/drawingml/2006/main" xmlns:r="http://schemas.openxmlformats.org/officeDocument/2006/relationships" xmlns:p="http://schemas.openxmlformats.org/presentationml/2006/main" xmlns:m="http://schemas.openxmlformats.org/officeDocument/2006/math" xmlns:a14="http://schemas.microsoft.com/office/drawing/2010/main">
+<p:presentation xmlns:a="http://schemas.openxmlformats.org/drawingml/2006/main" xmlns:r="http://schemas.openxmlformats.org/officeDocument/2006/relationships" xmlns:p="http://schemas.openxmlformats.org/presentationml/2006/main" saveSubsetFonts="1">
   <p:sldMasterIdLst>
-    <p:sldMasterId id="2147483648" r:id="rId5"/>
+    <p:sldMasterId id="2147483648" r:id="rId1"/>
   </p:sldMasterIdLst>
   <p:notesMasterIdLst>
-    <p:notesMasterId r:id="rId7"/>
+    <p:notesMasterId r:id="rId6"/>
   </p:notesMasterIdLst>
   <p:sldIdLst>
-    <p:sldId id="256" r:id="rId8"/>
-    <p:sldId id="257" r:id="rId9"/>
-    <p:sldId id="258" r:id="rId10"/>
-    <p:sldId id="259" r:id="rId11"/>
+    <p:sldId id="256" r:id="rId2"/>
+    <p:sldId id="257" r:id="rId3"/>
+    <p:sldId id="258" r:id="rId4"/>
+    <p:sldId id="259" r:id="rId5"/>
   </p:sldIdLst>
   <p:sldSz cx="24384000" cy="13716000"/>
   <p:notesSz cx="6858000" cy="9144000"/>
@@ -31,7 +31,7 @@
       <a:buFontTx/>
       <a:buNone/>
       <a:tabLst/>
-      <a:defRPr b="0" baseline="0" cap="none" i="0" spc="0" strike="noStrike" sz="1800" u="none" kumimoji="0" normalizeH="0">
+      <a:defRPr kumimoji="0" sz="1800" b="0" i="0" u="none" strike="noStrike" cap="none" spc="0" normalizeH="0" baseline="0">
         <a:ln>
           <a:noFill/>
         </a:ln>
@@ -57,7 +57,7 @@
       <a:buFontTx/>
       <a:buNone/>
       <a:tabLst/>
-      <a:defRPr b="0" baseline="0" cap="none" i="1" spc="39" strike="noStrike" sz="4000" u="none" kumimoji="0" normalizeH="0">
+      <a:defRPr kumimoji="0" sz="4000" b="0" i="1" u="none" strike="noStrike" cap="none" spc="39" normalizeH="0" baseline="0">
         <a:ln>
           <a:noFill/>
         </a:ln>
@@ -87,7 +87,7 @@
       <a:buFontTx/>
       <a:buNone/>
       <a:tabLst/>
-      <a:defRPr b="0" baseline="0" cap="none" i="1" spc="39" strike="noStrike" sz="4000" u="none" kumimoji="0" normalizeH="0">
+      <a:defRPr kumimoji="0" sz="4000" b="0" i="1" u="none" strike="noStrike" cap="none" spc="39" normalizeH="0" baseline="0">
         <a:ln>
           <a:noFill/>
         </a:ln>
@@ -117,7 +117,7 @@
       <a:buFontTx/>
       <a:buNone/>
       <a:tabLst/>
-      <a:defRPr b="0" baseline="0" cap="none" i="1" spc="39" strike="noStrike" sz="4000" u="none" kumimoji="0" normalizeH="0">
+      <a:defRPr kumimoji="0" sz="4000" b="0" i="1" u="none" strike="noStrike" cap="none" spc="39" normalizeH="0" baseline="0">
         <a:ln>
           <a:noFill/>
         </a:ln>
@@ -147,7 +147,7 @@
       <a:buFontTx/>
       <a:buNone/>
       <a:tabLst/>
-      <a:defRPr b="0" baseline="0" cap="none" i="1" spc="39" strike="noStrike" sz="4000" u="none" kumimoji="0" normalizeH="0">
+      <a:defRPr kumimoji="0" sz="4000" b="0" i="1" u="none" strike="noStrike" cap="none" spc="39" normalizeH="0" baseline="0">
         <a:ln>
           <a:noFill/>
         </a:ln>
@@ -177,7 +177,7 @@
       <a:buFontTx/>
       <a:buNone/>
       <a:tabLst/>
-      <a:defRPr b="0" baseline="0" cap="none" i="1" spc="39" strike="noStrike" sz="4000" u="none" kumimoji="0" normalizeH="0">
+      <a:defRPr kumimoji="0" sz="4000" b="0" i="1" u="none" strike="noStrike" cap="none" spc="39" normalizeH="0" baseline="0">
         <a:ln>
           <a:noFill/>
         </a:ln>
@@ -207,7 +207,7 @@
       <a:buFontTx/>
       <a:buNone/>
       <a:tabLst/>
-      <a:defRPr b="0" baseline="0" cap="none" i="1" spc="39" strike="noStrike" sz="4000" u="none" kumimoji="0" normalizeH="0">
+      <a:defRPr kumimoji="0" sz="4000" b="0" i="1" u="none" strike="noStrike" cap="none" spc="39" normalizeH="0" baseline="0">
         <a:ln>
           <a:noFill/>
         </a:ln>
@@ -237,7 +237,7 @@
       <a:buFontTx/>
       <a:buNone/>
       <a:tabLst/>
-      <a:defRPr b="0" baseline="0" cap="none" i="1" spc="39" strike="noStrike" sz="4000" u="none" kumimoji="0" normalizeH="0">
+      <a:defRPr kumimoji="0" sz="4000" b="0" i="1" u="none" strike="noStrike" cap="none" spc="39" normalizeH="0" baseline="0">
         <a:ln>
           <a:noFill/>
         </a:ln>
@@ -267,7 +267,7 @@
       <a:buFontTx/>
       <a:buNone/>
       <a:tabLst/>
-      <a:defRPr b="0" baseline="0" cap="none" i="1" spc="39" strike="noStrike" sz="4000" u="none" kumimoji="0" normalizeH="0">
+      <a:defRPr kumimoji="0" sz="4000" b="0" i="1" u="none" strike="noStrike" cap="none" spc="39" normalizeH="0" baseline="0">
         <a:ln>
           <a:noFill/>
         </a:ln>
@@ -297,7 +297,7 @@
       <a:buFontTx/>
       <a:buNone/>
       <a:tabLst/>
-      <a:defRPr b="0" baseline="0" cap="none" i="1" spc="39" strike="noStrike" sz="4000" u="none" kumimoji="0" normalizeH="0">
+      <a:defRPr kumimoji="0" sz="4000" b="0" i="1" u="none" strike="noStrike" cap="none" spc="39" normalizeH="0" baseline="0">
         <a:ln>
           <a:noFill/>
         </a:ln>
@@ -316,13 +316,14 @@
 </p:presentation>
 </file>
 
-<file path=ppt/commentAuthors.xml><?xml version="1.0" encoding="utf-8"?>
-<p:cmAuthorLst xmlns:a="http://schemas.openxmlformats.org/drawingml/2006/main" xmlns:r="http://schemas.openxmlformats.org/officeDocument/2006/relationships" xmlns:p="http://schemas.openxmlformats.org/presentationml/2006/main" xmlns:m="http://schemas.openxmlformats.org/officeDocument/2006/math" xmlns:a14="http://schemas.microsoft.com/office/drawing/2010/main"/>
-</file>
-
 <file path=ppt/notesMasters/notesMaster1.xml><?xml version="1.0" encoding="utf-8"?>
-<p:notesMaster xmlns:a="http://schemas.openxmlformats.org/drawingml/2006/main" xmlns:r="http://schemas.openxmlformats.org/officeDocument/2006/relationships" xmlns:p="http://schemas.openxmlformats.org/presentationml/2006/main" xmlns:m="http://schemas.openxmlformats.org/officeDocument/2006/math" xmlns:a14="http://schemas.microsoft.com/office/drawing/2010/main">
+<p:notesMaster xmlns:a="http://schemas.openxmlformats.org/drawingml/2006/main" xmlns:r="http://schemas.openxmlformats.org/officeDocument/2006/relationships" xmlns:p="http://schemas.openxmlformats.org/presentationml/2006/main">
   <p:cSld>
+    <p:bg>
+      <p:bgRef idx="1001">
+        <a:schemeClr val="bg1"/>
+      </p:bgRef>
+    </p:bg>
     <p:spTree>
       <p:nvGrpSpPr>
         <p:cNvPr id="1" name=""/>
@@ -340,7 +341,9 @@
       <p:sp>
         <p:nvSpPr>
           <p:cNvPr id="125" name="Shape 125"/>
-          <p:cNvSpPr/>
+          <p:cNvSpPr>
+            <a:spLocks noGrp="1" noRot="1" noChangeAspect="1"/>
+          </p:cNvSpPr>
           <p:nvPr>
             <p:ph type="sldImg"/>
           </p:nvPr>
@@ -358,14 +361,16 @@
           <a:bodyPr/>
           <a:lstStyle/>
           <a:p>
-            <a:pPr/>
+            <a:endParaRPr/>
           </a:p>
         </p:txBody>
       </p:sp>
       <p:sp>
         <p:nvSpPr>
           <p:cNvPr id="126" name="Shape 126"/>
-          <p:cNvSpPr/>
+          <p:cNvSpPr>
+            <a:spLocks noGrp="1"/>
+          </p:cNvSpPr>
           <p:nvPr>
             <p:ph type="body" sz="quarter" idx="1"/>
           </p:nvPr>
@@ -383,11 +388,16 @@
           <a:bodyPr/>
           <a:lstStyle/>
           <a:p>
-            <a:pPr/>
+            <a:endParaRPr/>
           </a:p>
         </p:txBody>
       </p:sp>
     </p:spTree>
+    <p:extLst>
+      <p:ext uri="{BB962C8B-B14F-4D97-AF65-F5344CB8AC3E}">
+        <p14:creationId xmlns:p14="http://schemas.microsoft.com/office/powerpoint/2010/main" val="1859386586"/>
+      </p:ext>
+    </p:extLst>
   </p:cSld>
   <p:clrMap bg1="lt1" tx1="dk1" bg2="lt2" tx2="dk2" accent1="accent1" accent2="accent2" accent3="accent3" accent4="accent4" accent5="accent5" accent6="accent6" hlink="hlink" folHlink="folHlink"/>
   <p:notesStyle>
@@ -495,7 +505,7 @@
 </file>
 
 <file path=ppt/slideLayouts/slideLayout1.xml><?xml version="1.0" encoding="utf-8"?>
-<p:sldLayout xmlns:a="http://schemas.openxmlformats.org/drawingml/2006/main" xmlns:r="http://schemas.openxmlformats.org/officeDocument/2006/relationships" xmlns:p="http://schemas.openxmlformats.org/presentationml/2006/main" xmlns:m="http://schemas.openxmlformats.org/officeDocument/2006/math" xmlns:a14="http://schemas.microsoft.com/office/drawing/2010/main" type="title" showMasterSp="1" showMasterPhAnim="1">
+<p:sldLayout xmlns:a="http://schemas.openxmlformats.org/drawingml/2006/main" xmlns:r="http://schemas.openxmlformats.org/officeDocument/2006/relationships" xmlns:p="http://schemas.openxmlformats.org/presentationml/2006/main" type="title">
   <p:cSld name="标题与副标题">
     <p:spTree>
       <p:nvGrpSpPr>
@@ -514,7 +524,9 @@
       <p:sp>
         <p:nvSpPr>
           <p:cNvPr id="11" name="线条"/>
-          <p:cNvSpPr/>
+          <p:cNvSpPr>
+            <a:spLocks noGrp="1"/>
+          </p:cNvSpPr>
           <p:nvPr>
             <p:ph type="body" sz="quarter" idx="13"/>
           </p:nvPr>
@@ -560,13 +572,16 @@
                 <a:sym typeface="Helvetica"/>
               </a:defRPr>
             </a:pPr>
+            <a:endParaRPr/>
           </a:p>
         </p:txBody>
       </p:sp>
       <p:sp>
         <p:nvSpPr>
           <p:cNvPr id="12" name="标题文本"/>
-          <p:cNvSpPr txBox="1"/>
+          <p:cNvSpPr txBox="1">
+            <a:spLocks noGrp="1"/>
+          </p:cNvSpPr>
           <p:nvPr>
             <p:ph type="title"/>
           </p:nvPr>
@@ -598,7 +613,6 @@
             </a:lvl1pPr>
           </a:lstStyle>
           <a:p>
-            <a:pPr/>
             <a:r>
               <a:t>标题文本</a:t>
             </a:r>
@@ -608,7 +622,9 @@
       <p:sp>
         <p:nvSpPr>
           <p:cNvPr id="13" name="正文级别 1…"/>
-          <p:cNvSpPr txBox="1"/>
+          <p:cNvSpPr txBox="1">
+            <a:spLocks noGrp="1"/>
+          </p:cNvSpPr>
           <p:nvPr>
             <p:ph type="body" sz="half" idx="1"/>
           </p:nvPr>
@@ -635,7 +651,7 @@
               <a:buSzTx/>
               <a:buFontTx/>
               <a:buNone/>
-              <a:defRPr i="1" sz="7000">
+              <a:defRPr sz="7000" i="1">
                 <a:solidFill>
                   <a:srgbClr val="747676"/>
                 </a:solidFill>
@@ -651,7 +667,7 @@
               <a:buSzTx/>
               <a:buFontTx/>
               <a:buNone/>
-              <a:defRPr i="1" sz="7000">
+              <a:defRPr sz="7000" i="1">
                 <a:solidFill>
                   <a:srgbClr val="747676"/>
                 </a:solidFill>
@@ -667,7 +683,7 @@
               <a:buSzTx/>
               <a:buFontTx/>
               <a:buNone/>
-              <a:defRPr i="1" sz="7000">
+              <a:defRPr sz="7000" i="1">
                 <a:solidFill>
                   <a:srgbClr val="747676"/>
                 </a:solidFill>
@@ -683,7 +699,7 @@
               <a:buSzTx/>
               <a:buFontTx/>
               <a:buNone/>
-              <a:defRPr i="1" sz="7000">
+              <a:defRPr sz="7000" i="1">
                 <a:solidFill>
                   <a:srgbClr val="747676"/>
                 </a:solidFill>
@@ -699,7 +715,7 @@
               <a:buSzTx/>
               <a:buFontTx/>
               <a:buNone/>
-              <a:defRPr i="1" sz="7000">
+              <a:defRPr sz="7000" i="1">
                 <a:solidFill>
                   <a:srgbClr val="747676"/>
                 </a:solidFill>
@@ -707,7 +723,6 @@
             </a:lvl5pPr>
           </a:lstStyle>
           <a:p>
-            <a:pPr/>
             <a:r>
               <a:t>正文级别 1</a:t>
             </a:r>
@@ -741,7 +756,9 @@
       <p:sp>
         <p:nvSpPr>
           <p:cNvPr id="14" name="幻灯片编号"/>
-          <p:cNvSpPr txBox="1"/>
+          <p:cNvSpPr txBox="1">
+            <a:spLocks noGrp="1"/>
+          </p:cNvSpPr>
           <p:nvPr>
             <p:ph type="sldNum" sz="quarter" idx="2"/>
           </p:nvPr>
@@ -759,8 +776,10 @@
           <a:bodyPr/>
           <a:lstStyle/>
           <a:p>
-            <a:pPr/>
-            <a:fld id="{86CB4B4D-7CA3-9044-876B-883B54F8677D}" type="slidenum"/>
+            <a:fld id="{86CB4B4D-7CA3-9044-876B-883B54F8677D}" type="slidenum">
+              <a:t>‹#›</a:t>
+            </a:fld>
+            <a:endParaRPr/>
           </a:p>
         </p:txBody>
       </p:sp>
@@ -769,12 +788,12 @@
   <p:clrMapOvr>
     <a:masterClrMapping/>
   </p:clrMapOvr>
-  <p:transition xmlns:p14="http://schemas.microsoft.com/office/powerpoint/2010/main" spd="med" advClick="1"/>
+  <p:transition spd="med"/>
 </p:sldLayout>
 </file>
 
 <file path=ppt/slideLayouts/slideLayout10.xml><?xml version="1.0" encoding="utf-8"?>
-<p:sldLayout xmlns:a="http://schemas.openxmlformats.org/drawingml/2006/main" xmlns:r="http://schemas.openxmlformats.org/officeDocument/2006/relationships" xmlns:p="http://schemas.openxmlformats.org/presentationml/2006/main" xmlns:m="http://schemas.openxmlformats.org/officeDocument/2006/math" xmlns:a14="http://schemas.microsoft.com/office/drawing/2010/main" type="tx" showMasterSp="1" showMasterPhAnim="1">
+<p:sldLayout xmlns:a="http://schemas.openxmlformats.org/drawingml/2006/main" xmlns:r="http://schemas.openxmlformats.org/officeDocument/2006/relationships" xmlns:p="http://schemas.openxmlformats.org/presentationml/2006/main" type="tx">
   <p:cSld name="引文">
     <p:spTree>
       <p:nvGrpSpPr>
@@ -839,7 +858,7 @@
                 <a:tab pos="3911600" algn="l"/>
                 <a:tab pos="4267200" algn="l"/>
               </a:tabLst>
-              <a:defRPr b="1" i="0" spc="0" sz="40000">
+              <a:defRPr sz="40000" b="1" i="0" spc="0">
                 <a:solidFill>
                   <a:srgbClr val="E4E4E4"/>
                 </a:solidFill>
@@ -851,7 +870,6 @@
             </a:lvl1pPr>
           </a:lstStyle>
           <a:p>
-            <a:pPr/>
             <a:r>
               <a:t>“</a:t>
             </a:r>
@@ -861,7 +879,9 @@
       <p:sp>
         <p:nvSpPr>
           <p:cNvPr id="102" name="在此键入引文。"/>
-          <p:cNvSpPr txBox="1"/>
+          <p:cNvSpPr txBox="1">
+            <a:spLocks noGrp="1"/>
+          </p:cNvSpPr>
           <p:nvPr>
             <p:ph type="body" sz="quarter" idx="13"/>
           </p:nvPr>
@@ -895,7 +915,6 @@
             </a:lvl1pPr>
           </a:lstStyle>
           <a:p>
-            <a:pPr/>
             <a:r>
               <a:t>在此键入引文。</a:t>
             </a:r>
@@ -905,7 +924,9 @@
       <p:sp>
         <p:nvSpPr>
           <p:cNvPr id="103" name="-Johnny Appleseed"/>
-          <p:cNvSpPr txBox="1"/>
+          <p:cNvSpPr txBox="1">
+            <a:spLocks noGrp="1"/>
+          </p:cNvSpPr>
           <p:nvPr>
             <p:ph type="body" sz="quarter" idx="14"/>
           </p:nvPr>
@@ -934,7 +955,7 @@
               <a:buSzTx/>
               <a:buFontTx/>
               <a:buNone/>
-              <a:defRPr i="1" sz="7000">
+              <a:defRPr sz="7000" i="1">
                 <a:solidFill>
                   <a:srgbClr val="6B6D6D"/>
                 </a:solidFill>
@@ -942,7 +963,6 @@
             </a:lvl1pPr>
           </a:lstStyle>
           <a:p>
-            <a:pPr/>
             <a:r>
               <a:t>-Johnny Appleseed</a:t>
             </a:r>
@@ -952,7 +972,9 @@
       <p:sp>
         <p:nvSpPr>
           <p:cNvPr id="104" name="幻灯片编号"/>
-          <p:cNvSpPr txBox="1"/>
+          <p:cNvSpPr txBox="1">
+            <a:spLocks noGrp="1"/>
+          </p:cNvSpPr>
           <p:nvPr>
             <p:ph type="sldNum" sz="quarter" idx="2"/>
           </p:nvPr>
@@ -966,8 +988,10 @@
           <a:bodyPr/>
           <a:lstStyle/>
           <a:p>
-            <a:pPr/>
-            <a:fld id="{86CB4B4D-7CA3-9044-876B-883B54F8677D}" type="slidenum"/>
+            <a:fld id="{86CB4B4D-7CA3-9044-876B-883B54F8677D}" type="slidenum">
+              <a:t>‹#›</a:t>
+            </a:fld>
+            <a:endParaRPr/>
           </a:p>
         </p:txBody>
       </p:sp>
@@ -976,12 +1000,12 @@
   <p:clrMapOvr>
     <a:masterClrMapping/>
   </p:clrMapOvr>
-  <p:transition xmlns:p14="http://schemas.microsoft.com/office/powerpoint/2010/main" spd="med" advClick="1"/>
+  <p:transition spd="med"/>
 </p:sldLayout>
 </file>
 
 <file path=ppt/slideLayouts/slideLayout11.xml><?xml version="1.0" encoding="utf-8"?>
-<p:sldLayout xmlns:a="http://schemas.openxmlformats.org/drawingml/2006/main" xmlns:r="http://schemas.openxmlformats.org/officeDocument/2006/relationships" xmlns:p="http://schemas.openxmlformats.org/presentationml/2006/main" xmlns:m="http://schemas.openxmlformats.org/officeDocument/2006/math" xmlns:a14="http://schemas.microsoft.com/office/drawing/2010/main" type="tx" showMasterSp="1" showMasterPhAnim="1">
+<p:sldLayout xmlns:a="http://schemas.openxmlformats.org/drawingml/2006/main" xmlns:r="http://schemas.openxmlformats.org/officeDocument/2006/relationships" xmlns:p="http://schemas.openxmlformats.org/presentationml/2006/main" type="tx">
   <p:cSld name="照片">
     <p:spTree>
       <p:nvGrpSpPr>
@@ -1000,7 +1024,9 @@
       <p:sp>
         <p:nvSpPr>
           <p:cNvPr id="111" name="118295074_2675x2907.jpeg"/>
-          <p:cNvSpPr/>
+          <p:cNvSpPr>
+            <a:spLocks noGrp="1"/>
+          </p:cNvSpPr>
           <p:nvPr>
             <p:ph type="pic" idx="13"/>
           </p:nvPr>
@@ -1020,14 +1046,16 @@
           </a:bodyPr>
           <a:lstStyle/>
           <a:p>
-            <a:pPr/>
+            <a:endParaRPr/>
           </a:p>
         </p:txBody>
       </p:sp>
       <p:sp>
         <p:nvSpPr>
           <p:cNvPr id="112" name="幻灯片编号"/>
-          <p:cNvSpPr txBox="1"/>
+          <p:cNvSpPr txBox="1">
+            <a:spLocks noGrp="1"/>
+          </p:cNvSpPr>
           <p:nvPr>
             <p:ph type="sldNum" sz="quarter" idx="2"/>
           </p:nvPr>
@@ -1049,8 +1077,10 @@
             </a:lvl1pPr>
           </a:lstStyle>
           <a:p>
-            <a:pPr/>
-            <a:fld id="{86CB4B4D-7CA3-9044-876B-883B54F8677D}" type="slidenum"/>
+            <a:fld id="{86CB4B4D-7CA3-9044-876B-883B54F8677D}" type="slidenum">
+              <a:t>‹#›</a:t>
+            </a:fld>
+            <a:endParaRPr/>
           </a:p>
         </p:txBody>
       </p:sp>
@@ -1059,12 +1089,12 @@
   <p:clrMapOvr>
     <a:masterClrMapping/>
   </p:clrMapOvr>
-  <p:transition xmlns:p14="http://schemas.microsoft.com/office/powerpoint/2010/main" spd="med" advClick="1"/>
+  <p:transition spd="med"/>
 </p:sldLayout>
 </file>
 
 <file path=ppt/slideLayouts/slideLayout12.xml><?xml version="1.0" encoding="utf-8"?>
-<p:sldLayout xmlns:a="http://schemas.openxmlformats.org/drawingml/2006/main" xmlns:r="http://schemas.openxmlformats.org/officeDocument/2006/relationships" xmlns:p="http://schemas.openxmlformats.org/presentationml/2006/main" xmlns:m="http://schemas.openxmlformats.org/officeDocument/2006/math" xmlns:a14="http://schemas.microsoft.com/office/drawing/2010/main" type="tx" showMasterSp="1" showMasterPhAnim="1">
+<p:sldLayout xmlns:a="http://schemas.openxmlformats.org/drawingml/2006/main" xmlns:r="http://schemas.openxmlformats.org/officeDocument/2006/relationships" xmlns:p="http://schemas.openxmlformats.org/presentationml/2006/main" type="tx">
   <p:cSld name="空白">
     <p:spTree>
       <p:nvGrpSpPr>
@@ -1083,7 +1113,9 @@
       <p:sp>
         <p:nvSpPr>
           <p:cNvPr id="119" name="幻灯片编号"/>
-          <p:cNvSpPr txBox="1"/>
+          <p:cNvSpPr txBox="1">
+            <a:spLocks noGrp="1"/>
+          </p:cNvSpPr>
           <p:nvPr>
             <p:ph type="sldNum" sz="quarter" idx="2"/>
           </p:nvPr>
@@ -1097,8 +1129,10 @@
           <a:bodyPr/>
           <a:lstStyle/>
           <a:p>
-            <a:pPr/>
-            <a:fld id="{86CB4B4D-7CA3-9044-876B-883B54F8677D}" type="slidenum"/>
+            <a:fld id="{86CB4B4D-7CA3-9044-876B-883B54F8677D}" type="slidenum">
+              <a:t>‹#›</a:t>
+            </a:fld>
+            <a:endParaRPr/>
           </a:p>
         </p:txBody>
       </p:sp>
@@ -1107,12 +1141,12 @@
   <p:clrMapOvr>
     <a:masterClrMapping/>
   </p:clrMapOvr>
-  <p:transition xmlns:p14="http://schemas.microsoft.com/office/powerpoint/2010/main" spd="med" advClick="1"/>
+  <p:transition spd="med"/>
 </p:sldLayout>
 </file>
 
 <file path=ppt/slideLayouts/slideLayout2.xml><?xml version="1.0" encoding="utf-8"?>
-<p:sldLayout xmlns:a="http://schemas.openxmlformats.org/drawingml/2006/main" xmlns:r="http://schemas.openxmlformats.org/officeDocument/2006/relationships" xmlns:p="http://schemas.openxmlformats.org/presentationml/2006/main" xmlns:m="http://schemas.openxmlformats.org/officeDocument/2006/math" xmlns:a14="http://schemas.microsoft.com/office/drawing/2010/main" type="tx" showMasterSp="1" showMasterPhAnim="1">
+<p:sldLayout xmlns:a="http://schemas.openxmlformats.org/drawingml/2006/main" xmlns:r="http://schemas.openxmlformats.org/officeDocument/2006/relationships" xmlns:p="http://schemas.openxmlformats.org/presentationml/2006/main" type="tx">
   <p:cSld name="照片 - 水平">
     <p:spTree>
       <p:nvGrpSpPr>
@@ -1131,7 +1165,9 @@
       <p:sp>
         <p:nvSpPr>
           <p:cNvPr id="21" name="118295074_2675x2907.jpeg"/>
-          <p:cNvSpPr/>
+          <p:cNvSpPr>
+            <a:spLocks noGrp="1"/>
+          </p:cNvSpPr>
           <p:nvPr>
             <p:ph type="pic" idx="13"/>
           </p:nvPr>
@@ -1151,14 +1187,16 @@
           </a:bodyPr>
           <a:lstStyle/>
           <a:p>
-            <a:pPr/>
+            <a:endParaRPr/>
           </a:p>
         </p:txBody>
       </p:sp>
       <p:sp>
         <p:nvSpPr>
           <p:cNvPr id="22" name="矩形"/>
-          <p:cNvSpPr/>
+          <p:cNvSpPr>
+            <a:spLocks noGrp="1"/>
+          </p:cNvSpPr>
           <p:nvPr>
             <p:ph type="body" sz="half" idx="14"/>
           </p:nvPr>
@@ -1195,13 +1233,16 @@
                 <a:sym typeface="Baskerville"/>
               </a:defRPr>
             </a:pPr>
+            <a:endParaRPr/>
           </a:p>
         </p:txBody>
       </p:sp>
       <p:sp>
         <p:nvSpPr>
           <p:cNvPr id="23" name="线条"/>
-          <p:cNvSpPr/>
+          <p:cNvSpPr>
+            <a:spLocks noGrp="1"/>
+          </p:cNvSpPr>
           <p:nvPr>
             <p:ph type="body" sz="quarter" idx="15"/>
           </p:nvPr>
@@ -1247,13 +1288,16 @@
                 <a:sym typeface="Helvetica"/>
               </a:defRPr>
             </a:pPr>
+            <a:endParaRPr/>
           </a:p>
         </p:txBody>
       </p:sp>
       <p:sp>
         <p:nvSpPr>
           <p:cNvPr id="24" name="标题文本"/>
-          <p:cNvSpPr txBox="1"/>
+          <p:cNvSpPr txBox="1">
+            <a:spLocks noGrp="1"/>
+          </p:cNvSpPr>
           <p:nvPr>
             <p:ph type="title"/>
           </p:nvPr>
@@ -1285,7 +1329,6 @@
             </a:lvl1pPr>
           </a:lstStyle>
           <a:p>
-            <a:pPr/>
             <a:r>
               <a:t>标题文本</a:t>
             </a:r>
@@ -1295,7 +1338,9 @@
       <p:sp>
         <p:nvSpPr>
           <p:cNvPr id="25" name="正文级别 1…"/>
-          <p:cNvSpPr txBox="1"/>
+          <p:cNvSpPr txBox="1">
+            <a:spLocks noGrp="1"/>
+          </p:cNvSpPr>
           <p:nvPr>
             <p:ph type="body" sz="quarter" idx="1"/>
           </p:nvPr>
@@ -1322,7 +1367,7 @@
               <a:buSzTx/>
               <a:buFontTx/>
               <a:buNone/>
-              <a:defRPr i="1" sz="7000">
+              <a:defRPr sz="7000" i="1">
                 <a:solidFill>
                   <a:srgbClr val="747676"/>
                 </a:solidFill>
@@ -1338,7 +1383,7 @@
               <a:buSzTx/>
               <a:buFontTx/>
               <a:buNone/>
-              <a:defRPr i="1" sz="7000">
+              <a:defRPr sz="7000" i="1">
                 <a:solidFill>
                   <a:srgbClr val="747676"/>
                 </a:solidFill>
@@ -1354,7 +1399,7 @@
               <a:buSzTx/>
               <a:buFontTx/>
               <a:buNone/>
-              <a:defRPr i="1" sz="7000">
+              <a:defRPr sz="7000" i="1">
                 <a:solidFill>
                   <a:srgbClr val="747676"/>
                 </a:solidFill>
@@ -1370,7 +1415,7 @@
               <a:buSzTx/>
               <a:buFontTx/>
               <a:buNone/>
-              <a:defRPr i="1" sz="7000">
+              <a:defRPr sz="7000" i="1">
                 <a:solidFill>
                   <a:srgbClr val="747676"/>
                 </a:solidFill>
@@ -1386,7 +1431,7 @@
               <a:buSzTx/>
               <a:buFontTx/>
               <a:buNone/>
-              <a:defRPr i="1" sz="7000">
+              <a:defRPr sz="7000" i="1">
                 <a:solidFill>
                   <a:srgbClr val="747676"/>
                 </a:solidFill>
@@ -1394,7 +1439,6 @@
             </a:lvl5pPr>
           </a:lstStyle>
           <a:p>
-            <a:pPr/>
             <a:r>
               <a:t>正文级别 1</a:t>
             </a:r>
@@ -1428,7 +1472,9 @@
       <p:sp>
         <p:nvSpPr>
           <p:cNvPr id="26" name="幻灯片编号"/>
-          <p:cNvSpPr txBox="1"/>
+          <p:cNvSpPr txBox="1">
+            <a:spLocks noGrp="1"/>
+          </p:cNvSpPr>
           <p:nvPr>
             <p:ph type="sldNum" sz="quarter" idx="2"/>
           </p:nvPr>
@@ -1450,8 +1496,10 @@
             </a:lvl1pPr>
           </a:lstStyle>
           <a:p>
-            <a:pPr/>
-            <a:fld id="{86CB4B4D-7CA3-9044-876B-883B54F8677D}" type="slidenum"/>
+            <a:fld id="{86CB4B4D-7CA3-9044-876B-883B54F8677D}" type="slidenum">
+              <a:t>‹#›</a:t>
+            </a:fld>
+            <a:endParaRPr/>
           </a:p>
         </p:txBody>
       </p:sp>
@@ -1460,12 +1508,12 @@
   <p:clrMapOvr>
     <a:masterClrMapping/>
   </p:clrMapOvr>
-  <p:transition xmlns:p14="http://schemas.microsoft.com/office/powerpoint/2010/main" spd="med" advClick="1"/>
+  <p:transition spd="med"/>
 </p:sldLayout>
 </file>
 
 <file path=ppt/slideLayouts/slideLayout3.xml><?xml version="1.0" encoding="utf-8"?>
-<p:sldLayout xmlns:a="http://schemas.openxmlformats.org/drawingml/2006/main" xmlns:r="http://schemas.openxmlformats.org/officeDocument/2006/relationships" xmlns:p="http://schemas.openxmlformats.org/presentationml/2006/main" xmlns:m="http://schemas.openxmlformats.org/officeDocument/2006/math" xmlns:a14="http://schemas.microsoft.com/office/drawing/2010/main" type="tx" showMasterSp="1" showMasterPhAnim="1">
+<p:sldLayout xmlns:a="http://schemas.openxmlformats.org/drawingml/2006/main" xmlns:r="http://schemas.openxmlformats.org/officeDocument/2006/relationships" xmlns:p="http://schemas.openxmlformats.org/presentationml/2006/main" type="tx">
   <p:cSld name="标题 - 居中">
     <p:spTree>
       <p:nvGrpSpPr>
@@ -1484,7 +1532,9 @@
       <p:sp>
         <p:nvSpPr>
           <p:cNvPr id="33" name="标题文本"/>
-          <p:cNvSpPr txBox="1"/>
+          <p:cNvSpPr txBox="1">
+            <a:spLocks noGrp="1"/>
+          </p:cNvSpPr>
           <p:nvPr>
             <p:ph type="title"/>
           </p:nvPr>
@@ -1516,7 +1566,6 @@
             </a:lvl1pPr>
           </a:lstStyle>
           <a:p>
-            <a:pPr/>
             <a:r>
               <a:t>标题文本</a:t>
             </a:r>
@@ -1526,7 +1575,9 @@
       <p:sp>
         <p:nvSpPr>
           <p:cNvPr id="34" name="幻灯片编号"/>
-          <p:cNvSpPr txBox="1"/>
+          <p:cNvSpPr txBox="1">
+            <a:spLocks noGrp="1"/>
+          </p:cNvSpPr>
           <p:nvPr>
             <p:ph type="sldNum" sz="quarter" idx="2"/>
           </p:nvPr>
@@ -1544,8 +1595,10 @@
           <a:bodyPr/>
           <a:lstStyle/>
           <a:p>
-            <a:pPr/>
-            <a:fld id="{86CB4B4D-7CA3-9044-876B-883B54F8677D}" type="slidenum"/>
+            <a:fld id="{86CB4B4D-7CA3-9044-876B-883B54F8677D}" type="slidenum">
+              <a:t>‹#›</a:t>
+            </a:fld>
+            <a:endParaRPr/>
           </a:p>
         </p:txBody>
       </p:sp>
@@ -1554,12 +1607,12 @@
   <p:clrMapOvr>
     <a:masterClrMapping/>
   </p:clrMapOvr>
-  <p:transition xmlns:p14="http://schemas.microsoft.com/office/powerpoint/2010/main" spd="med" advClick="1"/>
+  <p:transition spd="med"/>
 </p:sldLayout>
 </file>
 
 <file path=ppt/slideLayouts/slideLayout4.xml><?xml version="1.0" encoding="utf-8"?>
-<p:sldLayout xmlns:a="http://schemas.openxmlformats.org/drawingml/2006/main" xmlns:r="http://schemas.openxmlformats.org/officeDocument/2006/relationships" xmlns:p="http://schemas.openxmlformats.org/presentationml/2006/main" xmlns:m="http://schemas.openxmlformats.org/officeDocument/2006/math" xmlns:a14="http://schemas.microsoft.com/office/drawing/2010/main" type="tx" showMasterSp="1" showMasterPhAnim="1">
+<p:sldLayout xmlns:a="http://schemas.openxmlformats.org/drawingml/2006/main" xmlns:r="http://schemas.openxmlformats.org/officeDocument/2006/relationships" xmlns:p="http://schemas.openxmlformats.org/presentationml/2006/main" type="tx">
   <p:cSld name="照片 - 垂直">
     <p:spTree>
       <p:nvGrpSpPr>
@@ -1578,7 +1631,9 @@
       <p:sp>
         <p:nvSpPr>
           <p:cNvPr id="41" name="线条"/>
-          <p:cNvSpPr/>
+          <p:cNvSpPr>
+            <a:spLocks noGrp="1"/>
+          </p:cNvSpPr>
           <p:nvPr>
             <p:ph type="body" sz="quarter" idx="13"/>
           </p:nvPr>
@@ -1624,13 +1679,16 @@
                 <a:sym typeface="Helvetica"/>
               </a:defRPr>
             </a:pPr>
+            <a:endParaRPr/>
           </a:p>
         </p:txBody>
       </p:sp>
       <p:sp>
         <p:nvSpPr>
           <p:cNvPr id="42" name="182429520_1646x1646.jpeg"/>
-          <p:cNvSpPr/>
+          <p:cNvSpPr>
+            <a:spLocks noGrp="1"/>
+          </p:cNvSpPr>
           <p:nvPr>
             <p:ph type="pic" idx="14"/>
           </p:nvPr>
@@ -1650,14 +1708,16 @@
           </a:bodyPr>
           <a:lstStyle/>
           <a:p>
-            <a:pPr/>
+            <a:endParaRPr/>
           </a:p>
         </p:txBody>
       </p:sp>
       <p:sp>
         <p:nvSpPr>
           <p:cNvPr id="43" name="标题文本"/>
-          <p:cNvSpPr txBox="1"/>
+          <p:cNvSpPr txBox="1">
+            <a:spLocks noGrp="1"/>
+          </p:cNvSpPr>
           <p:nvPr>
             <p:ph type="title"/>
           </p:nvPr>
@@ -1689,7 +1749,6 @@
             </a:lvl1pPr>
           </a:lstStyle>
           <a:p>
-            <a:pPr/>
             <a:r>
               <a:t>标题文本</a:t>
             </a:r>
@@ -1699,7 +1758,9 @@
       <p:sp>
         <p:nvSpPr>
           <p:cNvPr id="44" name="正文级别 1…"/>
-          <p:cNvSpPr txBox="1"/>
+          <p:cNvSpPr txBox="1">
+            <a:spLocks noGrp="1"/>
+          </p:cNvSpPr>
           <p:nvPr>
             <p:ph type="body" sz="quarter" idx="1"/>
           </p:nvPr>
@@ -1726,7 +1787,7 @@
               <a:buSzTx/>
               <a:buFontTx/>
               <a:buNone/>
-              <a:defRPr i="1" sz="7000">
+              <a:defRPr sz="7000" i="1">
                 <a:solidFill>
                   <a:srgbClr val="747676"/>
                 </a:solidFill>
@@ -1742,7 +1803,7 @@
               <a:buSzTx/>
               <a:buFontTx/>
               <a:buNone/>
-              <a:defRPr i="1" sz="7000">
+              <a:defRPr sz="7000" i="1">
                 <a:solidFill>
                   <a:srgbClr val="747676"/>
                 </a:solidFill>
@@ -1758,7 +1819,7 @@
               <a:buSzTx/>
               <a:buFontTx/>
               <a:buNone/>
-              <a:defRPr i="1" sz="7000">
+              <a:defRPr sz="7000" i="1">
                 <a:solidFill>
                   <a:srgbClr val="747676"/>
                 </a:solidFill>
@@ -1774,7 +1835,7 @@
               <a:buSzTx/>
               <a:buFontTx/>
               <a:buNone/>
-              <a:defRPr i="1" sz="7000">
+              <a:defRPr sz="7000" i="1">
                 <a:solidFill>
                   <a:srgbClr val="747676"/>
                 </a:solidFill>
@@ -1790,7 +1851,7 @@
               <a:buSzTx/>
               <a:buFontTx/>
               <a:buNone/>
-              <a:defRPr i="1" sz="7000">
+              <a:defRPr sz="7000" i="1">
                 <a:solidFill>
                   <a:srgbClr val="747676"/>
                 </a:solidFill>
@@ -1798,7 +1859,6 @@
             </a:lvl5pPr>
           </a:lstStyle>
           <a:p>
-            <a:pPr/>
             <a:r>
               <a:t>正文级别 1</a:t>
             </a:r>
@@ -1832,7 +1892,9 @@
       <p:sp>
         <p:nvSpPr>
           <p:cNvPr id="45" name="幻灯片编号"/>
-          <p:cNvSpPr txBox="1"/>
+          <p:cNvSpPr txBox="1">
+            <a:spLocks noGrp="1"/>
+          </p:cNvSpPr>
           <p:nvPr>
             <p:ph type="sldNum" sz="quarter" idx="2"/>
           </p:nvPr>
@@ -1854,8 +1916,10 @@
             </a:lvl1pPr>
           </a:lstStyle>
           <a:p>
-            <a:pPr/>
-            <a:fld id="{86CB4B4D-7CA3-9044-876B-883B54F8677D}" type="slidenum"/>
+            <a:fld id="{86CB4B4D-7CA3-9044-876B-883B54F8677D}" type="slidenum">
+              <a:t>‹#›</a:t>
+            </a:fld>
+            <a:endParaRPr/>
           </a:p>
         </p:txBody>
       </p:sp>
@@ -1864,12 +1928,12 @@
   <p:clrMapOvr>
     <a:masterClrMapping/>
   </p:clrMapOvr>
-  <p:transition xmlns:p14="http://schemas.microsoft.com/office/powerpoint/2010/main" spd="med" advClick="1"/>
+  <p:transition spd="med"/>
 </p:sldLayout>
 </file>
 
 <file path=ppt/slideLayouts/slideLayout5.xml><?xml version="1.0" encoding="utf-8"?>
-<p:sldLayout xmlns:a="http://schemas.openxmlformats.org/drawingml/2006/main" xmlns:r="http://schemas.openxmlformats.org/officeDocument/2006/relationships" xmlns:p="http://schemas.openxmlformats.org/presentationml/2006/main" xmlns:m="http://schemas.openxmlformats.org/officeDocument/2006/math" xmlns:a14="http://schemas.microsoft.com/office/drawing/2010/main" type="tx" showMasterSp="1" showMasterPhAnim="1">
+<p:sldLayout xmlns:a="http://schemas.openxmlformats.org/drawingml/2006/main" xmlns:r="http://schemas.openxmlformats.org/officeDocument/2006/relationships" xmlns:p="http://schemas.openxmlformats.org/presentationml/2006/main" type="tx">
   <p:cSld name="标题 - 顶部对齐">
     <p:spTree>
       <p:nvGrpSpPr>
@@ -1888,7 +1952,9 @@
       <p:sp>
         <p:nvSpPr>
           <p:cNvPr id="52" name="线条"/>
-          <p:cNvSpPr/>
+          <p:cNvSpPr>
+            <a:spLocks noGrp="1"/>
+          </p:cNvSpPr>
           <p:nvPr>
             <p:ph type="body" sz="quarter" idx="13"/>
           </p:nvPr>
@@ -1934,13 +2000,16 @@
                 <a:sym typeface="Helvetica"/>
               </a:defRPr>
             </a:pPr>
+            <a:endParaRPr/>
           </a:p>
         </p:txBody>
       </p:sp>
       <p:sp>
         <p:nvSpPr>
           <p:cNvPr id="53" name="标题文本"/>
-          <p:cNvSpPr txBox="1"/>
+          <p:cNvSpPr txBox="1">
+            <a:spLocks noGrp="1"/>
+          </p:cNvSpPr>
           <p:nvPr>
             <p:ph type="title"/>
           </p:nvPr>
@@ -1954,7 +2023,6 @@
           <a:bodyPr/>
           <a:lstStyle/>
           <a:p>
-            <a:pPr/>
             <a:r>
               <a:t>标题文本</a:t>
             </a:r>
@@ -1964,7 +2032,9 @@
       <p:sp>
         <p:nvSpPr>
           <p:cNvPr id="54" name="幻灯片编号"/>
-          <p:cNvSpPr txBox="1"/>
+          <p:cNvSpPr txBox="1">
+            <a:spLocks noGrp="1"/>
+          </p:cNvSpPr>
           <p:nvPr>
             <p:ph type="sldNum" sz="quarter" idx="2"/>
           </p:nvPr>
@@ -1978,8 +2048,10 @@
           <a:bodyPr/>
           <a:lstStyle/>
           <a:p>
-            <a:pPr/>
-            <a:fld id="{86CB4B4D-7CA3-9044-876B-883B54F8677D}" type="slidenum"/>
+            <a:fld id="{86CB4B4D-7CA3-9044-876B-883B54F8677D}" type="slidenum">
+              <a:t>‹#›</a:t>
+            </a:fld>
+            <a:endParaRPr/>
           </a:p>
         </p:txBody>
       </p:sp>
@@ -1988,12 +2060,12 @@
   <p:clrMapOvr>
     <a:masterClrMapping/>
   </p:clrMapOvr>
-  <p:transition xmlns:p14="http://schemas.microsoft.com/office/powerpoint/2010/main" spd="med" advClick="1"/>
+  <p:transition spd="med"/>
 </p:sldLayout>
 </file>
 
 <file path=ppt/slideLayouts/slideLayout6.xml><?xml version="1.0" encoding="utf-8"?>
-<p:sldLayout xmlns:a="http://schemas.openxmlformats.org/drawingml/2006/main" xmlns:r="http://schemas.openxmlformats.org/officeDocument/2006/relationships" xmlns:p="http://schemas.openxmlformats.org/presentationml/2006/main" xmlns:m="http://schemas.openxmlformats.org/officeDocument/2006/math" xmlns:a14="http://schemas.microsoft.com/office/drawing/2010/main" type="tx" showMasterSp="1" showMasterPhAnim="1">
+<p:sldLayout xmlns:a="http://schemas.openxmlformats.org/drawingml/2006/main" xmlns:r="http://schemas.openxmlformats.org/officeDocument/2006/relationships" xmlns:p="http://schemas.openxmlformats.org/presentationml/2006/main" type="tx">
   <p:cSld name="标题与项目符号">
     <p:spTree>
       <p:nvGrpSpPr>
@@ -2012,7 +2084,9 @@
       <p:sp>
         <p:nvSpPr>
           <p:cNvPr id="61" name="线条"/>
-          <p:cNvSpPr/>
+          <p:cNvSpPr>
+            <a:spLocks noGrp="1"/>
+          </p:cNvSpPr>
           <p:nvPr>
             <p:ph type="body" sz="quarter" idx="13"/>
           </p:nvPr>
@@ -2058,13 +2132,16 @@
                 <a:sym typeface="Helvetica"/>
               </a:defRPr>
             </a:pPr>
+            <a:endParaRPr/>
           </a:p>
         </p:txBody>
       </p:sp>
       <p:sp>
         <p:nvSpPr>
           <p:cNvPr id="62" name="标题文本"/>
-          <p:cNvSpPr txBox="1"/>
+          <p:cNvSpPr txBox="1">
+            <a:spLocks noGrp="1"/>
+          </p:cNvSpPr>
           <p:nvPr>
             <p:ph type="title"/>
           </p:nvPr>
@@ -2078,7 +2155,6 @@
           <a:bodyPr/>
           <a:lstStyle/>
           <a:p>
-            <a:pPr/>
             <a:r>
               <a:t>标题文本</a:t>
             </a:r>
@@ -2088,7 +2164,9 @@
       <p:sp>
         <p:nvSpPr>
           <p:cNvPr id="63" name="正文级别 1…"/>
-          <p:cNvSpPr txBox="1"/>
+          <p:cNvSpPr txBox="1">
+            <a:spLocks noGrp="1"/>
+          </p:cNvSpPr>
           <p:nvPr>
             <p:ph type="body" idx="1"/>
           </p:nvPr>
@@ -2102,7 +2180,6 @@
           <a:bodyPr/>
           <a:lstStyle/>
           <a:p>
-            <a:pPr/>
             <a:r>
               <a:t>正文级别 1</a:t>
             </a:r>
@@ -2136,7 +2213,9 @@
       <p:sp>
         <p:nvSpPr>
           <p:cNvPr id="64" name="幻灯片编号"/>
-          <p:cNvSpPr txBox="1"/>
+          <p:cNvSpPr txBox="1">
+            <a:spLocks noGrp="1"/>
+          </p:cNvSpPr>
           <p:nvPr>
             <p:ph type="sldNum" sz="quarter" idx="2"/>
           </p:nvPr>
@@ -2150,8 +2229,10 @@
           <a:bodyPr/>
           <a:lstStyle/>
           <a:p>
-            <a:pPr/>
-            <a:fld id="{86CB4B4D-7CA3-9044-876B-883B54F8677D}" type="slidenum"/>
+            <a:fld id="{86CB4B4D-7CA3-9044-876B-883B54F8677D}" type="slidenum">
+              <a:t>‹#›</a:t>
+            </a:fld>
+            <a:endParaRPr/>
           </a:p>
         </p:txBody>
       </p:sp>
@@ -2160,12 +2241,12 @@
   <p:clrMapOvr>
     <a:masterClrMapping/>
   </p:clrMapOvr>
-  <p:transition xmlns:p14="http://schemas.microsoft.com/office/powerpoint/2010/main" spd="med" advClick="1"/>
+  <p:transition spd="med"/>
 </p:sldLayout>
 </file>
 
 <file path=ppt/slideLayouts/slideLayout7.xml><?xml version="1.0" encoding="utf-8"?>
-<p:sldLayout xmlns:a="http://schemas.openxmlformats.org/drawingml/2006/main" xmlns:r="http://schemas.openxmlformats.org/officeDocument/2006/relationships" xmlns:p="http://schemas.openxmlformats.org/presentationml/2006/main" xmlns:m="http://schemas.openxmlformats.org/officeDocument/2006/math" xmlns:a14="http://schemas.microsoft.com/office/drawing/2010/main" type="tx" showMasterSp="1" showMasterPhAnim="1">
+<p:sldLayout xmlns:a="http://schemas.openxmlformats.org/drawingml/2006/main" xmlns:r="http://schemas.openxmlformats.org/officeDocument/2006/relationships" xmlns:p="http://schemas.openxmlformats.org/presentationml/2006/main" type="tx">
   <p:cSld name="标题、项目符号与照片">
     <p:spTree>
       <p:nvGrpSpPr>
@@ -2184,7 +2265,9 @@
       <p:sp>
         <p:nvSpPr>
           <p:cNvPr id="71" name="线条"/>
-          <p:cNvSpPr/>
+          <p:cNvSpPr>
+            <a:spLocks noGrp="1"/>
+          </p:cNvSpPr>
           <p:nvPr>
             <p:ph type="body" sz="quarter" idx="13"/>
           </p:nvPr>
@@ -2230,13 +2313,16 @@
                 <a:sym typeface="Helvetica"/>
               </a:defRPr>
             </a:pPr>
+            <a:endParaRPr/>
           </a:p>
         </p:txBody>
       </p:sp>
       <p:sp>
         <p:nvSpPr>
           <p:cNvPr id="72" name="118295074_2675x2907.jpeg"/>
-          <p:cNvSpPr/>
+          <p:cNvSpPr>
+            <a:spLocks noGrp="1"/>
+          </p:cNvSpPr>
           <p:nvPr>
             <p:ph type="pic" idx="14"/>
           </p:nvPr>
@@ -2256,14 +2342,16 @@
           </a:bodyPr>
           <a:lstStyle/>
           <a:p>
-            <a:pPr/>
+            <a:endParaRPr/>
           </a:p>
         </p:txBody>
       </p:sp>
       <p:sp>
         <p:nvSpPr>
           <p:cNvPr id="73" name="标题文本"/>
-          <p:cNvSpPr txBox="1"/>
+          <p:cNvSpPr txBox="1">
+            <a:spLocks noGrp="1"/>
+          </p:cNvSpPr>
           <p:nvPr>
             <p:ph type="title"/>
           </p:nvPr>
@@ -2281,7 +2369,6 @@
           <a:bodyPr/>
           <a:lstStyle/>
           <a:p>
-            <a:pPr/>
             <a:r>
               <a:t>标题文本</a:t>
             </a:r>
@@ -2291,7 +2378,9 @@
       <p:sp>
         <p:nvSpPr>
           <p:cNvPr id="74" name="正文级别 1…"/>
-          <p:cNvSpPr txBox="1"/>
+          <p:cNvSpPr txBox="1">
+            <a:spLocks noGrp="1"/>
+          </p:cNvSpPr>
           <p:nvPr>
             <p:ph type="body" sz="half" idx="1"/>
           </p:nvPr>
@@ -2325,7 +2414,6 @@
             </a:lvl5pPr>
           </a:lstStyle>
           <a:p>
-            <a:pPr/>
             <a:r>
               <a:t>正文级别 1</a:t>
             </a:r>
@@ -2359,7 +2447,9 @@
       <p:sp>
         <p:nvSpPr>
           <p:cNvPr id="75" name="幻灯片编号"/>
-          <p:cNvSpPr txBox="1"/>
+          <p:cNvSpPr txBox="1">
+            <a:spLocks noGrp="1"/>
+          </p:cNvSpPr>
           <p:nvPr>
             <p:ph type="sldNum" sz="quarter" idx="2"/>
           </p:nvPr>
@@ -2373,8 +2463,10 @@
           <a:bodyPr/>
           <a:lstStyle/>
           <a:p>
-            <a:pPr/>
-            <a:fld id="{86CB4B4D-7CA3-9044-876B-883B54F8677D}" type="slidenum"/>
+            <a:fld id="{86CB4B4D-7CA3-9044-876B-883B54F8677D}" type="slidenum">
+              <a:t>‹#›</a:t>
+            </a:fld>
+            <a:endParaRPr/>
           </a:p>
         </p:txBody>
       </p:sp>
@@ -2383,12 +2475,12 @@
   <p:clrMapOvr>
     <a:masterClrMapping/>
   </p:clrMapOvr>
-  <p:transition xmlns:p14="http://schemas.microsoft.com/office/powerpoint/2010/main" spd="med" advClick="1"/>
+  <p:transition spd="med"/>
 </p:sldLayout>
 </file>
 
 <file path=ppt/slideLayouts/slideLayout8.xml><?xml version="1.0" encoding="utf-8"?>
-<p:sldLayout xmlns:a="http://schemas.openxmlformats.org/drawingml/2006/main" xmlns:r="http://schemas.openxmlformats.org/officeDocument/2006/relationships" xmlns:p="http://schemas.openxmlformats.org/presentationml/2006/main" xmlns:m="http://schemas.openxmlformats.org/officeDocument/2006/math" xmlns:a14="http://schemas.microsoft.com/office/drawing/2010/main" type="tx" showMasterSp="1" showMasterPhAnim="1">
+<p:sldLayout xmlns:a="http://schemas.openxmlformats.org/drawingml/2006/main" xmlns:r="http://schemas.openxmlformats.org/officeDocument/2006/relationships" xmlns:p="http://schemas.openxmlformats.org/presentationml/2006/main" type="tx">
   <p:cSld name="项目符号">
     <p:spTree>
       <p:nvGrpSpPr>
@@ -2407,7 +2499,9 @@
       <p:sp>
         <p:nvSpPr>
           <p:cNvPr id="82" name="正文级别 1…"/>
-          <p:cNvSpPr txBox="1"/>
+          <p:cNvSpPr txBox="1">
+            <a:spLocks noGrp="1"/>
+          </p:cNvSpPr>
           <p:nvPr>
             <p:ph type="body" idx="1"/>
           </p:nvPr>
@@ -2421,7 +2515,6 @@
           <a:bodyPr/>
           <a:lstStyle/>
           <a:p>
-            <a:pPr/>
             <a:r>
               <a:t>正文级别 1</a:t>
             </a:r>
@@ -2455,7 +2548,9 @@
       <p:sp>
         <p:nvSpPr>
           <p:cNvPr id="83" name="幻灯片编号"/>
-          <p:cNvSpPr txBox="1"/>
+          <p:cNvSpPr txBox="1">
+            <a:spLocks noGrp="1"/>
+          </p:cNvSpPr>
           <p:nvPr>
             <p:ph type="sldNum" sz="quarter" idx="2"/>
           </p:nvPr>
@@ -2469,8 +2564,10 @@
           <a:bodyPr/>
           <a:lstStyle/>
           <a:p>
-            <a:pPr/>
-            <a:fld id="{86CB4B4D-7CA3-9044-876B-883B54F8677D}" type="slidenum"/>
+            <a:fld id="{86CB4B4D-7CA3-9044-876B-883B54F8677D}" type="slidenum">
+              <a:t>‹#›</a:t>
+            </a:fld>
+            <a:endParaRPr/>
           </a:p>
         </p:txBody>
       </p:sp>
@@ -2479,12 +2576,12 @@
   <p:clrMapOvr>
     <a:masterClrMapping/>
   </p:clrMapOvr>
-  <p:transition xmlns:p14="http://schemas.microsoft.com/office/powerpoint/2010/main" spd="med" advClick="1"/>
+  <p:transition spd="med"/>
 </p:sldLayout>
 </file>
 
 <file path=ppt/slideLayouts/slideLayout9.xml><?xml version="1.0" encoding="utf-8"?>
-<p:sldLayout xmlns:a="http://schemas.openxmlformats.org/drawingml/2006/main" xmlns:r="http://schemas.openxmlformats.org/officeDocument/2006/relationships" xmlns:p="http://schemas.openxmlformats.org/presentationml/2006/main" xmlns:m="http://schemas.openxmlformats.org/officeDocument/2006/math" xmlns:a14="http://schemas.microsoft.com/office/drawing/2010/main" type="tx" showMasterSp="1" showMasterPhAnim="1">
+<p:sldLayout xmlns:a="http://schemas.openxmlformats.org/drawingml/2006/main" xmlns:r="http://schemas.openxmlformats.org/officeDocument/2006/relationships" xmlns:p="http://schemas.openxmlformats.org/presentationml/2006/main" type="tx">
   <p:cSld name="照片 - 3 联">
     <p:spTree>
       <p:nvGrpSpPr>
@@ -2503,7 +2600,9 @@
       <p:sp>
         <p:nvSpPr>
           <p:cNvPr id="90" name="118295074_2675x2907.jpeg"/>
-          <p:cNvSpPr/>
+          <p:cNvSpPr>
+            <a:spLocks noGrp="1"/>
+          </p:cNvSpPr>
           <p:nvPr>
             <p:ph type="pic" idx="13"/>
           </p:nvPr>
@@ -2523,14 +2622,16 @@
           </a:bodyPr>
           <a:lstStyle/>
           <a:p>
-            <a:pPr/>
+            <a:endParaRPr/>
           </a:p>
         </p:txBody>
       </p:sp>
       <p:sp>
         <p:nvSpPr>
           <p:cNvPr id="91" name="182741592_1098x949.jpeg"/>
-          <p:cNvSpPr/>
+          <p:cNvSpPr>
+            <a:spLocks noGrp="1"/>
+          </p:cNvSpPr>
           <p:nvPr>
             <p:ph type="pic" sz="quarter" idx="14"/>
           </p:nvPr>
@@ -2550,14 +2651,16 @@
           </a:bodyPr>
           <a:lstStyle/>
           <a:p>
-            <a:pPr/>
+            <a:endParaRPr/>
           </a:p>
         </p:txBody>
       </p:sp>
       <p:sp>
         <p:nvSpPr>
           <p:cNvPr id="92" name="182429520_1646x1646.jpeg"/>
-          <p:cNvSpPr/>
+          <p:cNvSpPr>
+            <a:spLocks noGrp="1"/>
+          </p:cNvSpPr>
           <p:nvPr>
             <p:ph type="pic" sz="quarter" idx="15"/>
           </p:nvPr>
@@ -2577,14 +2680,16 @@
           </a:bodyPr>
           <a:lstStyle/>
           <a:p>
-            <a:pPr/>
+            <a:endParaRPr/>
           </a:p>
         </p:txBody>
       </p:sp>
       <p:sp>
         <p:nvSpPr>
           <p:cNvPr id="93" name="正文级别 1…"/>
-          <p:cNvSpPr txBox="1"/>
+          <p:cNvSpPr txBox="1">
+            <a:spLocks noGrp="1"/>
+          </p:cNvSpPr>
           <p:nvPr>
             <p:ph type="body" sz="quarter" idx="1"/>
           </p:nvPr>
@@ -2608,7 +2713,7 @@
               <a:buSzTx/>
               <a:buFontTx/>
               <a:buNone/>
-              <a:defRPr i="1" spc="39" sz="4000"/>
+              <a:defRPr sz="4000" i="1" spc="39"/>
             </a:lvl1pPr>
             <a:lvl2pPr marL="0" indent="0">
               <a:spcBef>
@@ -2617,7 +2722,7 @@
               <a:buSzTx/>
               <a:buFontTx/>
               <a:buNone/>
-              <a:defRPr i="1" spc="39" sz="4000"/>
+              <a:defRPr sz="4000" i="1" spc="39"/>
             </a:lvl2pPr>
             <a:lvl3pPr marL="0" indent="0">
               <a:spcBef>
@@ -2626,7 +2731,7 @@
               <a:buSzTx/>
               <a:buFontTx/>
               <a:buNone/>
-              <a:defRPr i="1" spc="39" sz="4000"/>
+              <a:defRPr sz="4000" i="1" spc="39"/>
             </a:lvl3pPr>
             <a:lvl4pPr marL="0" indent="0">
               <a:spcBef>
@@ -2635,7 +2740,7 @@
               <a:buSzTx/>
               <a:buFontTx/>
               <a:buNone/>
-              <a:defRPr i="1" spc="39" sz="4000"/>
+              <a:defRPr sz="4000" i="1" spc="39"/>
             </a:lvl4pPr>
             <a:lvl5pPr marL="0" indent="0">
               <a:spcBef>
@@ -2644,11 +2749,10 @@
               <a:buSzTx/>
               <a:buFontTx/>
               <a:buNone/>
-              <a:defRPr i="1" spc="39" sz="4000"/>
+              <a:defRPr sz="4000" i="1" spc="39"/>
             </a:lvl5pPr>
           </a:lstStyle>
           <a:p>
-            <a:pPr/>
             <a:r>
               <a:t>正文级别 1</a:t>
             </a:r>
@@ -2682,7 +2786,9 @@
       <p:sp>
         <p:nvSpPr>
           <p:cNvPr id="94" name="幻灯片编号"/>
-          <p:cNvSpPr txBox="1"/>
+          <p:cNvSpPr txBox="1">
+            <a:spLocks noGrp="1"/>
+          </p:cNvSpPr>
           <p:nvPr>
             <p:ph type="sldNum" sz="quarter" idx="2"/>
           </p:nvPr>
@@ -2696,8 +2802,10 @@
           <a:bodyPr/>
           <a:lstStyle/>
           <a:p>
-            <a:pPr/>
-            <a:fld id="{86CB4B4D-7CA3-9044-876B-883B54F8677D}" type="slidenum"/>
+            <a:fld id="{86CB4B4D-7CA3-9044-876B-883B54F8677D}" type="slidenum">
+              <a:t>‹#›</a:t>
+            </a:fld>
+            <a:endParaRPr/>
           </a:p>
         </p:txBody>
       </p:sp>
@@ -2706,18 +2814,19 @@
   <p:clrMapOvr>
     <a:masterClrMapping/>
   </p:clrMapOvr>
-  <p:transition xmlns:p14="http://schemas.microsoft.com/office/powerpoint/2010/main" spd="med" advClick="1"/>
+  <p:transition spd="med"/>
 </p:sldLayout>
 </file>
 
 <file path=ppt/slideMasters/slideMaster1.xml><?xml version="1.0" encoding="utf-8"?>
-<p:sldMaster xmlns:a="http://schemas.openxmlformats.org/drawingml/2006/main" xmlns:r="http://schemas.openxmlformats.org/officeDocument/2006/relationships" xmlns:p="http://schemas.openxmlformats.org/presentationml/2006/main" xmlns:m="http://schemas.openxmlformats.org/officeDocument/2006/math" xmlns:a14="http://schemas.microsoft.com/office/drawing/2010/main">
+<p:sldMaster xmlns:a="http://schemas.openxmlformats.org/drawingml/2006/main" xmlns:r="http://schemas.openxmlformats.org/officeDocument/2006/relationships" xmlns:p="http://schemas.openxmlformats.org/presentationml/2006/main">
   <p:cSld>
     <p:bg>
       <p:bgPr>
         <a:solidFill>
           <a:srgbClr val="FFFFFF"/>
         </a:solidFill>
+        <a:effectLst/>
       </p:bgPr>
     </p:bg>
     <p:spTree>
@@ -2737,7 +2846,9 @@
       <p:sp>
         <p:nvSpPr>
           <p:cNvPr id="2" name="标题文本"/>
-          <p:cNvSpPr txBox="1"/>
+          <p:cNvSpPr txBox="1">
+            <a:spLocks noGrp="1"/>
+          </p:cNvSpPr>
           <p:nvPr>
             <p:ph type="title"/>
           </p:nvPr>
@@ -2761,11 +2872,10 @@
         </p:spPr>
         <p:txBody>
           <a:bodyPr lIns="50800" tIns="50800" rIns="50800" bIns="50800">
-            <a:normAutofit fontScale="100000" lnSpcReduction="0"/>
+            <a:normAutofit/>
           </a:bodyPr>
           <a:lstStyle/>
           <a:p>
-            <a:pPr/>
             <a:r>
               <a:t>标题文本</a:t>
             </a:r>
@@ -2775,7 +2885,9 @@
       <p:sp>
         <p:nvSpPr>
           <p:cNvPr id="3" name="正文级别 1…"/>
-          <p:cNvSpPr txBox="1"/>
+          <p:cNvSpPr txBox="1">
+            <a:spLocks noGrp="1"/>
+          </p:cNvSpPr>
           <p:nvPr>
             <p:ph type="body" idx="1"/>
           </p:nvPr>
@@ -2799,11 +2911,10 @@
         </p:spPr>
         <p:txBody>
           <a:bodyPr lIns="50800" tIns="50800" rIns="50800" bIns="50800">
-            <a:normAutofit fontScale="100000" lnSpcReduction="0"/>
+            <a:normAutofit/>
           </a:bodyPr>
           <a:lstStyle/>
           <a:p>
-            <a:pPr/>
             <a:r>
               <a:t>正文级别 1</a:t>
             </a:r>
@@ -2837,7 +2948,9 @@
       <p:sp>
         <p:nvSpPr>
           <p:cNvPr id="4" name="幻灯片编号"/>
-          <p:cNvSpPr txBox="1"/>
+          <p:cNvSpPr txBox="1">
+            <a:spLocks noGrp="1"/>
+          </p:cNvSpPr>
           <p:nvPr>
             <p:ph type="sldNum" sz="quarter" idx="2"/>
           </p:nvPr>
@@ -2863,7 +2976,7 @@
               <a:spcBef>
                 <a:spcPts val="0"/>
               </a:spcBef>
-              <a:defRPr i="0" spc="0" sz="2500">
+              <a:defRPr sz="2500" i="0" spc="0">
                 <a:solidFill>
                   <a:srgbClr val="747676"/>
                 </a:solidFill>
@@ -2875,8 +2988,10 @@
             </a:lvl1pPr>
           </a:lstStyle>
           <a:p>
-            <a:pPr/>
-            <a:fld id="{86CB4B4D-7CA3-9044-876B-883B54F8677D}" type="slidenum"/>
+            <a:fld id="{86CB4B4D-7CA3-9044-876B-883B54F8677D}" type="slidenum">
+              <a:t>‹#›</a:t>
+            </a:fld>
+            <a:endParaRPr/>
           </a:p>
         </p:txBody>
       </p:sp>
@@ -2884,20 +2999,20 @@
   </p:cSld>
   <p:clrMap bg1="lt1" tx1="dk1" bg2="lt2" tx2="dk2" accent1="accent1" accent2="accent2" accent3="accent3" accent4="accent4" accent5="accent5" accent6="accent6" hlink="hlink" folHlink="folHlink"/>
   <p:sldLayoutIdLst>
-    <p:sldLayoutId id="2147483649" r:id="rId2"/>
-    <p:sldLayoutId id="2147483650" r:id="rId3"/>
-    <p:sldLayoutId id="2147483651" r:id="rId4"/>
-    <p:sldLayoutId id="2147483652" r:id="rId5"/>
-    <p:sldLayoutId id="2147483653" r:id="rId6"/>
-    <p:sldLayoutId id="2147483654" r:id="rId7"/>
-    <p:sldLayoutId id="2147483655" r:id="rId8"/>
-    <p:sldLayoutId id="2147483656" r:id="rId9"/>
-    <p:sldLayoutId id="2147483657" r:id="rId10"/>
-    <p:sldLayoutId id="2147483658" r:id="rId11"/>
-    <p:sldLayoutId id="2147483659" r:id="rId12"/>
-    <p:sldLayoutId id="2147483660" r:id="rId13"/>
+    <p:sldLayoutId id="2147483649" r:id="rId1"/>
+    <p:sldLayoutId id="2147483650" r:id="rId2"/>
+    <p:sldLayoutId id="2147483651" r:id="rId3"/>
+    <p:sldLayoutId id="2147483652" r:id="rId4"/>
+    <p:sldLayoutId id="2147483653" r:id="rId5"/>
+    <p:sldLayoutId id="2147483654" r:id="rId6"/>
+    <p:sldLayoutId id="2147483655" r:id="rId7"/>
+    <p:sldLayoutId id="2147483656" r:id="rId8"/>
+    <p:sldLayoutId id="2147483657" r:id="rId9"/>
+    <p:sldLayoutId id="2147483658" r:id="rId10"/>
+    <p:sldLayoutId id="2147483659" r:id="rId11"/>
+    <p:sldLayoutId id="2147483660" r:id="rId12"/>
   </p:sldLayoutIdLst>
-  <p:transition xmlns:p14="http://schemas.microsoft.com/office/powerpoint/2010/main" spd="med" advClick="1"/>
+  <p:transition spd="med"/>
   <p:txStyles>
     <p:titleStyle>
       <a:lvl1pPr marL="0" marR="0" indent="0" algn="l" defTabSz="825500" rtl="0" latinLnBrk="0">
@@ -2915,7 +3030,7 @@
         <a:buFontTx/>
         <a:buNone/>
         <a:tabLst/>
-        <a:defRPr b="0" baseline="0" cap="all" i="0" spc="0" strike="noStrike" sz="7500" u="none">
+        <a:defRPr sz="7500" b="0" i="0" u="none" strike="noStrike" cap="all" spc="0" baseline="0">
           <a:ln>
             <a:noFill/>
           </a:ln>
@@ -2944,7 +3059,7 @@
         <a:buFontTx/>
         <a:buNone/>
         <a:tabLst/>
-        <a:defRPr b="0" baseline="0" cap="all" i="0" spc="0" strike="noStrike" sz="7500" u="none">
+        <a:defRPr sz="7500" b="0" i="0" u="none" strike="noStrike" cap="all" spc="0" baseline="0">
           <a:ln>
             <a:noFill/>
           </a:ln>
@@ -2973,7 +3088,7 @@
         <a:buFontTx/>
         <a:buNone/>
         <a:tabLst/>
-        <a:defRPr b="0" baseline="0" cap="all" i="0" spc="0" strike="noStrike" sz="7500" u="none">
+        <a:defRPr sz="7500" b="0" i="0" u="none" strike="noStrike" cap="all" spc="0" baseline="0">
           <a:ln>
             <a:noFill/>
           </a:ln>
@@ -3002,7 +3117,7 @@
         <a:buFontTx/>
         <a:buNone/>
         <a:tabLst/>
-        <a:defRPr b="0" baseline="0" cap="all" i="0" spc="0" strike="noStrike" sz="7500" u="none">
+        <a:defRPr sz="7500" b="0" i="0" u="none" strike="noStrike" cap="all" spc="0" baseline="0">
           <a:ln>
             <a:noFill/>
           </a:ln>
@@ -3031,7 +3146,7 @@
         <a:buFontTx/>
         <a:buNone/>
         <a:tabLst/>
-        <a:defRPr b="0" baseline="0" cap="all" i="0" spc="0" strike="noStrike" sz="7500" u="none">
+        <a:defRPr sz="7500" b="0" i="0" u="none" strike="noStrike" cap="all" spc="0" baseline="0">
           <a:ln>
             <a:noFill/>
           </a:ln>
@@ -3060,7 +3175,7 @@
         <a:buFontTx/>
         <a:buNone/>
         <a:tabLst/>
-        <a:defRPr b="0" baseline="0" cap="all" i="0" spc="0" strike="noStrike" sz="7500" u="none">
+        <a:defRPr sz="7500" b="0" i="0" u="none" strike="noStrike" cap="all" spc="0" baseline="0">
           <a:ln>
             <a:noFill/>
           </a:ln>
@@ -3089,7 +3204,7 @@
         <a:buFontTx/>
         <a:buNone/>
         <a:tabLst/>
-        <a:defRPr b="0" baseline="0" cap="all" i="0" spc="0" strike="noStrike" sz="7500" u="none">
+        <a:defRPr sz="7500" b="0" i="0" u="none" strike="noStrike" cap="all" spc="0" baseline="0">
           <a:ln>
             <a:noFill/>
           </a:ln>
@@ -3118,7 +3233,7 @@
         <a:buFontTx/>
         <a:buNone/>
         <a:tabLst/>
-        <a:defRPr b="0" baseline="0" cap="all" i="0" spc="0" strike="noStrike" sz="7500" u="none">
+        <a:defRPr sz="7500" b="0" i="0" u="none" strike="noStrike" cap="all" spc="0" baseline="0">
           <a:ln>
             <a:noFill/>
           </a:ln>
@@ -3147,7 +3262,7 @@
         <a:buFontTx/>
         <a:buNone/>
         <a:tabLst/>
-        <a:defRPr b="0" baseline="0" cap="all" i="0" spc="0" strike="noStrike" sz="7500" u="none">
+        <a:defRPr sz="7500" b="0" i="0" u="none" strike="noStrike" cap="all" spc="0" baseline="0">
           <a:ln>
             <a:noFill/>
           </a:ln>
@@ -3178,7 +3293,7 @@
         <a:buFont typeface="Zapf Dingbats"/>
         <a:buChar char="➤"/>
         <a:tabLst/>
-        <a:defRPr b="0" baseline="0" cap="none" i="0" spc="0" strike="noStrike" sz="4500" u="none">
+        <a:defRPr sz="4500" b="0" i="0" u="none" strike="noStrike" cap="none" spc="0" baseline="0">
           <a:ln>
             <a:noFill/>
           </a:ln>
@@ -3207,7 +3322,7 @@
         <a:buFont typeface="Zapf Dingbats"/>
         <a:buChar char="➤"/>
         <a:tabLst/>
-        <a:defRPr b="0" baseline="0" cap="none" i="0" spc="0" strike="noStrike" sz="4500" u="none">
+        <a:defRPr sz="4500" b="0" i="0" u="none" strike="noStrike" cap="none" spc="0" baseline="0">
           <a:ln>
             <a:noFill/>
           </a:ln>
@@ -3236,7 +3351,7 @@
         <a:buFont typeface="Zapf Dingbats"/>
         <a:buChar char="➤"/>
         <a:tabLst/>
-        <a:defRPr b="0" baseline="0" cap="none" i="0" spc="0" strike="noStrike" sz="4500" u="none">
+        <a:defRPr sz="4500" b="0" i="0" u="none" strike="noStrike" cap="none" spc="0" baseline="0">
           <a:ln>
             <a:noFill/>
           </a:ln>
@@ -3265,7 +3380,7 @@
         <a:buFont typeface="Zapf Dingbats"/>
         <a:buChar char="➤"/>
         <a:tabLst/>
-        <a:defRPr b="0" baseline="0" cap="none" i="0" spc="0" strike="noStrike" sz="4500" u="none">
+        <a:defRPr sz="4500" b="0" i="0" u="none" strike="noStrike" cap="none" spc="0" baseline="0">
           <a:ln>
             <a:noFill/>
           </a:ln>
@@ -3294,7 +3409,7 @@
         <a:buFont typeface="Zapf Dingbats"/>
         <a:buChar char="➤"/>
         <a:tabLst/>
-        <a:defRPr b="0" baseline="0" cap="none" i="0" spc="0" strike="noStrike" sz="4500" u="none">
+        <a:defRPr sz="4500" b="0" i="0" u="none" strike="noStrike" cap="none" spc="0" baseline="0">
           <a:ln>
             <a:noFill/>
           </a:ln>
@@ -3323,7 +3438,7 @@
         <a:buFont typeface="Zapf Dingbats"/>
         <a:buChar char="➤"/>
         <a:tabLst/>
-        <a:defRPr b="0" baseline="0" cap="none" i="0" spc="0" strike="noStrike" sz="4500" u="none">
+        <a:defRPr sz="4500" b="0" i="0" u="none" strike="noStrike" cap="none" spc="0" baseline="0">
           <a:ln>
             <a:noFill/>
           </a:ln>
@@ -3352,7 +3467,7 @@
         <a:buFont typeface="Zapf Dingbats"/>
         <a:buChar char="➤"/>
         <a:tabLst/>
-        <a:defRPr b="0" baseline="0" cap="none" i="0" spc="0" strike="noStrike" sz="4500" u="none">
+        <a:defRPr sz="4500" b="0" i="0" u="none" strike="noStrike" cap="none" spc="0" baseline="0">
           <a:ln>
             <a:noFill/>
           </a:ln>
@@ -3381,7 +3496,7 @@
         <a:buFont typeface="Zapf Dingbats"/>
         <a:buChar char="➤"/>
         <a:tabLst/>
-        <a:defRPr b="0" baseline="0" cap="none" i="0" spc="0" strike="noStrike" sz="4500" u="none">
+        <a:defRPr sz="4500" b="0" i="0" u="none" strike="noStrike" cap="none" spc="0" baseline="0">
           <a:ln>
             <a:noFill/>
           </a:ln>
@@ -3410,7 +3525,7 @@
         <a:buFont typeface="Zapf Dingbats"/>
         <a:buChar char="➤"/>
         <a:tabLst/>
-        <a:defRPr b="0" baseline="0" cap="none" i="0" spc="0" strike="noStrike" sz="4500" u="none">
+        <a:defRPr sz="4500" b="0" i="0" u="none" strike="noStrike" cap="none" spc="0" baseline="0">
           <a:ln>
             <a:noFill/>
           </a:ln>
@@ -3441,7 +3556,7 @@
         <a:buFontTx/>
         <a:buNone/>
         <a:tabLst/>
-        <a:defRPr b="0" baseline="0" cap="none" i="0" spc="0" strike="noStrike" sz="2500" u="none">
+        <a:defRPr sz="2500" b="0" i="0" u="none" strike="noStrike" cap="none" spc="0" baseline="0">
           <a:ln>
             <a:noFill/>
           </a:ln>
@@ -3470,7 +3585,7 @@
         <a:buFontTx/>
         <a:buNone/>
         <a:tabLst/>
-        <a:defRPr b="0" baseline="0" cap="none" i="0" spc="0" strike="noStrike" sz="2500" u="none">
+        <a:defRPr sz="2500" b="0" i="0" u="none" strike="noStrike" cap="none" spc="0" baseline="0">
           <a:ln>
             <a:noFill/>
           </a:ln>
@@ -3499,7 +3614,7 @@
         <a:buFontTx/>
         <a:buNone/>
         <a:tabLst/>
-        <a:defRPr b="0" baseline="0" cap="none" i="0" spc="0" strike="noStrike" sz="2500" u="none">
+        <a:defRPr sz="2500" b="0" i="0" u="none" strike="noStrike" cap="none" spc="0" baseline="0">
           <a:ln>
             <a:noFill/>
           </a:ln>
@@ -3528,7 +3643,7 @@
         <a:buFontTx/>
         <a:buNone/>
         <a:tabLst/>
-        <a:defRPr b="0" baseline="0" cap="none" i="0" spc="0" strike="noStrike" sz="2500" u="none">
+        <a:defRPr sz="2500" b="0" i="0" u="none" strike="noStrike" cap="none" spc="0" baseline="0">
           <a:ln>
             <a:noFill/>
           </a:ln>
@@ -3557,7 +3672,7 @@
         <a:buFontTx/>
         <a:buNone/>
         <a:tabLst/>
-        <a:defRPr b="0" baseline="0" cap="none" i="0" spc="0" strike="noStrike" sz="2500" u="none">
+        <a:defRPr sz="2500" b="0" i="0" u="none" strike="noStrike" cap="none" spc="0" baseline="0">
           <a:ln>
             <a:noFill/>
           </a:ln>
@@ -3586,7 +3701,7 @@
         <a:buFontTx/>
         <a:buNone/>
         <a:tabLst/>
-        <a:defRPr b="0" baseline="0" cap="none" i="0" spc="0" strike="noStrike" sz="2500" u="none">
+        <a:defRPr sz="2500" b="0" i="0" u="none" strike="noStrike" cap="none" spc="0" baseline="0">
           <a:ln>
             <a:noFill/>
           </a:ln>
@@ -3615,7 +3730,7 @@
         <a:buFontTx/>
         <a:buNone/>
         <a:tabLst/>
-        <a:defRPr b="0" baseline="0" cap="none" i="0" spc="0" strike="noStrike" sz="2500" u="none">
+        <a:defRPr sz="2500" b="0" i="0" u="none" strike="noStrike" cap="none" spc="0" baseline="0">
           <a:ln>
             <a:noFill/>
           </a:ln>
@@ -3644,7 +3759,7 @@
         <a:buFontTx/>
         <a:buNone/>
         <a:tabLst/>
-        <a:defRPr b="0" baseline="0" cap="none" i="0" spc="0" strike="noStrike" sz="2500" u="none">
+        <a:defRPr sz="2500" b="0" i="0" u="none" strike="noStrike" cap="none" spc="0" baseline="0">
           <a:ln>
             <a:noFill/>
           </a:ln>
@@ -3673,7 +3788,7 @@
         <a:buFontTx/>
         <a:buNone/>
         <a:tabLst/>
-        <a:defRPr b="0" baseline="0" cap="none" i="0" spc="0" strike="noStrike" sz="2500" u="none">
+        <a:defRPr sz="2500" b="0" i="0" u="none" strike="noStrike" cap="none" spc="0" baseline="0">
           <a:ln>
             <a:noFill/>
           </a:ln>
@@ -3693,13 +3808,14 @@
 </file>
 
 <file path=ppt/slides/slide1.xml><?xml version="1.0" encoding="utf-8"?>
-<p:sld xmlns:a="http://schemas.openxmlformats.org/drawingml/2006/main" xmlns:r="http://schemas.openxmlformats.org/officeDocument/2006/relationships" xmlns:p="http://schemas.openxmlformats.org/presentationml/2006/main" xmlns:m="http://schemas.openxmlformats.org/officeDocument/2006/math" xmlns:a14="http://schemas.microsoft.com/office/drawing/2010/main" showMasterSp="1" showMasterPhAnim="1">
+<p:sld xmlns:a="http://schemas.openxmlformats.org/drawingml/2006/main" xmlns:r="http://schemas.openxmlformats.org/officeDocument/2006/relationships" xmlns:p="http://schemas.openxmlformats.org/presentationml/2006/main">
   <p:cSld>
     <p:bg>
       <p:bgPr>
         <a:solidFill>
           <a:srgbClr val="08090F"/>
         </a:solidFill>
+        <a:effectLst/>
       </p:bgPr>
     </p:bg>
     <p:spTree>
@@ -3824,7 +3940,7 @@
                 <a:lnSpc>
                   <a:spcPct val="140000"/>
                 </a:lnSpc>
-                <a:defRPr i="0" spc="100" sz="10000">
+                <a:defRPr sz="10000" i="0" spc="100">
                   <a:solidFill>
                     <a:srgbClr val="D03C28"/>
                   </a:solidFill>
@@ -3843,7 +3959,7 @@
                 <a:lnSpc>
                   <a:spcPct val="140000"/>
                 </a:lnSpc>
-                <a:defRPr i="0" spc="100" sz="10000">
+                <a:defRPr sz="10000" i="0" spc="100">
                   <a:solidFill>
                     <a:srgbClr val="D03C28"/>
                   </a:solidFill>
@@ -3853,13 +3969,14 @@
                   <a:sym typeface="Marker Felt"/>
                 </a:defRPr>
               </a:pPr>
+              <a:endParaRPr/>
             </a:p>
             <a:p>
               <a:pPr>
                 <a:lnSpc>
                   <a:spcPct val="140000"/>
                 </a:lnSpc>
-                <a:defRPr i="0" spc="100" sz="10000">
+                <a:defRPr sz="10000" i="0" spc="100">
                   <a:solidFill>
                     <a:srgbClr val="D03C28"/>
                   </a:solidFill>
@@ -3912,18 +4029,19 @@
   <p:clrMapOvr>
     <a:masterClrMapping/>
   </p:clrMapOvr>
-  <p:transition xmlns:p14="http://schemas.microsoft.com/office/powerpoint/2010/main" spd="med" advClick="1"/>
+  <p:transition spd="med"/>
 </p:sld>
 </file>
 
 <file path=ppt/slides/slide2.xml><?xml version="1.0" encoding="utf-8"?>
-<p:sld xmlns:a="http://schemas.openxmlformats.org/drawingml/2006/main" xmlns:r="http://schemas.openxmlformats.org/officeDocument/2006/relationships" xmlns:p="http://schemas.openxmlformats.org/presentationml/2006/main" xmlns:m="http://schemas.openxmlformats.org/officeDocument/2006/math" xmlns:a14="http://schemas.microsoft.com/office/drawing/2010/main" showMasterSp="1" showMasterPhAnim="1">
+<p:sld xmlns:a="http://schemas.openxmlformats.org/drawingml/2006/main" xmlns:r="http://schemas.openxmlformats.org/officeDocument/2006/relationships" xmlns:p="http://schemas.openxmlformats.org/presentationml/2006/main">
   <p:cSld>
     <p:bg>
       <p:bgPr>
         <a:solidFill>
           <a:srgbClr val="08090F"/>
         </a:solidFill>
+        <a:effectLst/>
       </p:bgPr>
     </p:bg>
     <p:spTree>
@@ -3952,7 +4070,7 @@
           <a:blip r:embed="rId2">
             <a:extLst/>
           </a:blip>
-          <a:srcRect l="0" t="0" r="0" b="16063"/>
+          <a:srcRect b="16063"/>
           <a:stretch>
             <a:fillRect/>
           </a:stretch>
@@ -4017,7 +4135,7 @@
             <a:lstStyle/>
             <a:p>
               <a:pPr>
-                <a:defRPr i="0" spc="42" sz="4300">
+                <a:defRPr sz="4300" i="0" spc="42">
                   <a:solidFill>
                     <a:srgbClr val="D03C28"/>
                   </a:solidFill>
@@ -4033,7 +4151,7 @@
             </a:p>
             <a:p>
               <a:pPr>
-                <a:defRPr i="0" spc="42" sz="4300">
+                <a:defRPr sz="4300" i="0" spc="42">
                   <a:solidFill>
                     <a:srgbClr val="D03C28"/>
                   </a:solidFill>
@@ -4043,10 +4161,11 @@
                   <a:sym typeface="Marker Felt"/>
                 </a:defRPr>
               </a:pPr>
+              <a:endParaRPr/>
             </a:p>
             <a:p>
               <a:pPr>
-                <a:defRPr i="0" spc="42" sz="4300">
+                <a:defRPr sz="4300" i="0" spc="42">
                   <a:solidFill>
                     <a:srgbClr val="D03C28"/>
                   </a:solidFill>
@@ -4125,7 +4244,7 @@
               <a:spcBef>
                 <a:spcPts val="0"/>
               </a:spcBef>
-              <a:defRPr i="0" spc="0" sz="3500">
+              <a:defRPr sz="3500" i="0" spc="0">
                 <a:solidFill>
                   <a:srgbClr val="FFFFFF"/>
                 </a:solidFill>
@@ -4135,6 +4254,7 @@
                 <a:sym typeface="Baskerville"/>
               </a:defRPr>
             </a:pPr>
+            <a:endParaRPr/>
           </a:p>
         </p:txBody>
       </p:sp>
@@ -4167,7 +4287,7 @@
           </a:bodyPr>
           <a:lstStyle>
             <a:lvl1pPr>
-              <a:defRPr i="0" spc="88" sz="8800">
+              <a:defRPr sz="8800" i="0" spc="88">
                 <a:solidFill>
                   <a:srgbClr val="D03C28"/>
                 </a:solidFill>
@@ -4179,7 +4299,6 @@
             </a:lvl1pPr>
           </a:lstStyle>
           <a:p>
-            <a:pPr/>
             <a:r>
               <a:t>current issue</a:t>
             </a:r>
@@ -4217,7 +4336,7 @@
           <a:p>
             <a:pPr marL="733777" indent="-733777">
               <a:buSzPct val="100000"/>
-              <a:buAutoNum type="arabicPeriod" startAt="1"/>
+              <a:buAutoNum type="arabicPeriod"/>
               <a:defRPr i="0">
                 <a:solidFill>
                   <a:srgbClr val="000000"/>
@@ -4235,7 +4354,7 @@
           <a:p>
             <a:pPr marL="733777" indent="-733777">
               <a:buSzPct val="100000"/>
-              <a:buAutoNum type="arabicPeriod" startAt="1"/>
+              <a:buAutoNum type="arabicPeriod"/>
               <a:defRPr i="0">
                 <a:solidFill>
                   <a:srgbClr val="000000"/>
@@ -4253,7 +4372,7 @@
           <a:p>
             <a:pPr marL="733777" indent="-733777">
               <a:buSzPct val="100000"/>
-              <a:buAutoNum type="arabicPeriod" startAt="1"/>
+              <a:buAutoNum type="arabicPeriod"/>
               <a:defRPr i="0">
                 <a:solidFill>
                   <a:srgbClr val="000000"/>
@@ -4273,7 +4392,7 @@
       <p:sp>
         <p:nvSpPr>
           <p:cNvPr id="141" name="cooperation website">
-            <a:hlinkClick r:id="rId4" invalidUrl="" action="" tgtFrame="" tooltip="" history="1" highlightClick="0" endSnd="0"/>
+            <a:hlinkClick r:id="rId4" invalidUrl="https://peachymissy.github.io/assignment7/final.html?utm_source=social media&amp;utm_medium=cpc&amp;utm_campaign=mycampaign"/>
           </p:cNvPr>
           <p:cNvSpPr/>
           <p:nvPr/>
@@ -4297,7 +4416,7 @@
             <a:miter lim="400000"/>
           </a:ln>
           <a:effectLst>
-            <a:reflection blurRad="0" stA="50000" stPos="0" endA="0" endPos="40000" dist="0" dir="5400000" fadeDir="5400000" sx="100000" sy="-100000" kx="0" ky="0" algn="bl" rotWithShape="0"/>
+            <a:reflection stA="50000" endPos="40000" dir="5400000" sy="-100000" algn="bl" rotWithShape="0"/>
           </a:effectLst>
           <a:extLst>
             <a:ext uri="{C572A759-6A51-4108-AA02-DFA0A04FC94B}">
@@ -4312,7 +4431,7 @@
               <a:spcBef>
                 <a:spcPts val="0"/>
               </a:spcBef>
-              <a:defRPr i="0" spc="0" sz="5000">
+              <a:defRPr sz="5000" i="0" spc="0">
                 <a:solidFill>
                   <a:srgbClr val="FFFFFF"/>
                 </a:solidFill>
@@ -4324,7 +4443,6 @@
             </a:lvl1pPr>
           </a:lstStyle>
           <a:p>
-            <a:pPr/>
             <a:r>
               <a:t>cooperation website</a:t>
             </a:r>
@@ -4336,14 +4454,14 @@
   <p:clrMapOvr>
     <a:masterClrMapping/>
   </p:clrMapOvr>
-  <p:transition xmlns:p14="http://schemas.microsoft.com/office/powerpoint/2010/main" spd="med" advClick="1"/>
+  <p:transition spd="med"/>
   <p:timing>
     <p:tnLst>
       <p:par>
-        <p:cTn id="1" nodeType="tmRoot" restart="never" dur="indefinite" fill="hold">
+        <p:cTn id="1" dur="indefinite" restart="never" fill="hold" nodeType="tmRoot">
           <p:childTnLst>
             <p:seq concurrent="1" prevAc="none" nextAc="seek">
-              <p:cTn id="2" nodeType="mainSeq" dur="indefinite" fill="hold">
+              <p:cTn id="2" dur="indefinite" fill="hold" nodeType="mainSeq">
                 <p:childTnLst>
                   <p:par>
                     <p:cTn id="3" fill="hold">
@@ -4358,11 +4476,11 @@
                             </p:stCondLst>
                             <p:childTnLst>
                               <p:par>
-                                <p:cTn id="5" presetClass="entr" nodeType="clickEffect" presetID="9" grpId="1" fill="hold">
+                                <p:cTn id="5" presetID="9" presetClass="entr" fill="hold" grpId="1" nodeType="clickEffect">
                                   <p:stCondLst>
                                     <p:cond delay="0"/>
                                   </p:stCondLst>
-                                  <p:iterate type="el" backwards="0">
+                                  <p:iterate>
                                     <p:tmAbs val="0"/>
                                   </p:iterate>
                                   <p:childTnLst>
@@ -4380,7 +4498,7 @@
                                         <p:strVal val="visible"/>
                                       </p:to>
                                     </p:set>
-                                    <p:animEffect filter="dissolve" transition="in">
+                                    <p:animEffect transition="in" filter="dissolve">
                                       <p:cBhvr>
                                         <p:cTn id="7" dur="1000"/>
                                         <p:tgtEl>
@@ -4400,14 +4518,14 @@
                 </p:childTnLst>
               </p:cTn>
               <p:prevCondLst>
-                <p:cond evt="onPrev">
+                <p:cond evt="onPrev" delay="0">
                   <p:tgtEl>
                     <p:sldTgt/>
                   </p:tgtEl>
                 </p:cond>
               </p:prevCondLst>
               <p:nextCondLst>
-                <p:cond evt="onNext">
+                <p:cond evt="onNext" delay="0">
                   <p:tgtEl>
                     <p:sldTgt/>
                   </p:tgtEl>
@@ -4419,20 +4537,21 @@
       </p:par>
     </p:tnLst>
     <p:bldLst>
-      <p:bldP build="whole" bldLvl="1" animBg="1" rev="0" advAuto="0" spid="141" grpId="1"/>
+      <p:bldP spid="141" grpId="1" animBg="1" advAuto="0"/>
     </p:bldLst>
   </p:timing>
 </p:sld>
 </file>
 
 <file path=ppt/slides/slide3.xml><?xml version="1.0" encoding="utf-8"?>
-<p:sld xmlns:a="http://schemas.openxmlformats.org/drawingml/2006/main" xmlns:r="http://schemas.openxmlformats.org/officeDocument/2006/relationships" xmlns:p="http://schemas.openxmlformats.org/presentationml/2006/main" xmlns:m="http://schemas.openxmlformats.org/officeDocument/2006/math" xmlns:a14="http://schemas.microsoft.com/office/drawing/2010/main" showMasterSp="1" showMasterPhAnim="1">
+<p:sld xmlns:a="http://schemas.openxmlformats.org/drawingml/2006/main" xmlns:r="http://schemas.openxmlformats.org/officeDocument/2006/relationships" xmlns:p="http://schemas.openxmlformats.org/presentationml/2006/main">
   <p:cSld>
     <p:bg>
       <p:bgPr>
         <a:solidFill>
           <a:srgbClr val="08090F"/>
         </a:solidFill>
+        <a:effectLst/>
       </p:bgPr>
     </p:bg>
     <p:spTree>
@@ -4461,7 +4580,7 @@
           <a:blip r:embed="rId2">
             <a:extLst/>
           </a:blip>
-          <a:srcRect l="0" t="0" r="0" b="16063"/>
+          <a:srcRect b="16063"/>
           <a:stretch>
             <a:fillRect/>
           </a:stretch>
@@ -4526,7 +4645,7 @@
             <a:lstStyle/>
             <a:p>
               <a:pPr>
-                <a:defRPr i="0" spc="42" sz="4300">
+                <a:defRPr sz="4300" i="0" spc="42">
                   <a:solidFill>
                     <a:srgbClr val="D03C28"/>
                   </a:solidFill>
@@ -4542,7 +4661,7 @@
             </a:p>
             <a:p>
               <a:pPr>
-                <a:defRPr i="0" spc="42" sz="4300">
+                <a:defRPr sz="4300" i="0" spc="42">
                   <a:solidFill>
                     <a:srgbClr val="D03C28"/>
                   </a:solidFill>
@@ -4552,10 +4671,11 @@
                   <a:sym typeface="Marker Felt"/>
                 </a:defRPr>
               </a:pPr>
+              <a:endParaRPr/>
             </a:p>
             <a:p>
               <a:pPr>
-                <a:defRPr i="0" spc="42" sz="4300">
+                <a:defRPr sz="4300" i="0" spc="42">
                   <a:solidFill>
                     <a:srgbClr val="D03C28"/>
                   </a:solidFill>
@@ -4634,7 +4754,7 @@
               <a:spcBef>
                 <a:spcPts val="0"/>
               </a:spcBef>
-              <a:defRPr i="0" spc="0" sz="3500">
+              <a:defRPr sz="3500" i="0" spc="0">
                 <a:solidFill>
                   <a:srgbClr val="FFFFFF"/>
                 </a:solidFill>
@@ -4644,6 +4764,7 @@
                 <a:sym typeface="Baskerville"/>
               </a:defRPr>
             </a:pPr>
+            <a:endParaRPr/>
           </a:p>
         </p:txBody>
       </p:sp>
@@ -4676,7 +4797,7 @@
           </a:bodyPr>
           <a:lstStyle>
             <a:lvl1pPr>
-              <a:defRPr i="0" spc="88" sz="8800">
+              <a:defRPr sz="8800" i="0" spc="88">
                 <a:solidFill>
                   <a:srgbClr val="D03C28"/>
                 </a:solidFill>
@@ -4688,7 +4809,6 @@
             </a:lvl1pPr>
           </a:lstStyle>
           <a:p>
-            <a:pPr/>
             <a:r>
               <a:t>How to evaluate</a:t>
             </a:r>
@@ -4726,7 +4846,7 @@
           <a:p>
             <a:pPr marL="733777" indent="-733777">
               <a:buSzPct val="100000"/>
-              <a:buAutoNum type="arabicPeriod" startAt="1"/>
+              <a:buAutoNum type="arabicPeriod"/>
               <a:defRPr i="0">
                 <a:solidFill>
                   <a:srgbClr val="000000"/>
@@ -4744,7 +4864,7 @@
           <a:p>
             <a:pPr marL="733777" indent="-733777">
               <a:buSzPct val="100000"/>
-              <a:buAutoNum type="arabicPeriod" startAt="1"/>
+              <a:buAutoNum type="arabicPeriod"/>
               <a:defRPr i="0">
                 <a:solidFill>
                   <a:srgbClr val="000000"/>
@@ -4762,7 +4882,7 @@
           <a:p>
             <a:pPr marL="733777" indent="-733777">
               <a:buSzPct val="100000"/>
-              <a:buAutoNum type="arabicPeriod" startAt="1"/>
+              <a:buAutoNum type="arabicPeriod"/>
               <a:defRPr i="0">
                 <a:solidFill>
                   <a:srgbClr val="000000"/>
@@ -4784,18 +4904,19 @@
   <p:clrMapOvr>
     <a:masterClrMapping/>
   </p:clrMapOvr>
-  <p:transition xmlns:p14="http://schemas.microsoft.com/office/powerpoint/2010/main" spd="med" advClick="1"/>
+  <p:transition spd="med"/>
 </p:sld>
 </file>
 
 <file path=ppt/slides/slide4.xml><?xml version="1.0" encoding="utf-8"?>
-<p:sld xmlns:a="http://schemas.openxmlformats.org/drawingml/2006/main" xmlns:r="http://schemas.openxmlformats.org/officeDocument/2006/relationships" xmlns:p="http://schemas.openxmlformats.org/presentationml/2006/main" xmlns:m="http://schemas.openxmlformats.org/officeDocument/2006/math" xmlns:a14="http://schemas.microsoft.com/office/drawing/2010/main" showMasterSp="1" showMasterPhAnim="1">
+<p:sld xmlns:a="http://schemas.openxmlformats.org/drawingml/2006/main" xmlns:r="http://schemas.openxmlformats.org/officeDocument/2006/relationships" xmlns:p="http://schemas.openxmlformats.org/presentationml/2006/main">
   <p:cSld>
     <p:bg>
       <p:bgPr>
         <a:solidFill>
           <a:srgbClr val="08090F"/>
         </a:solidFill>
+        <a:effectLst/>
       </p:bgPr>
     </p:bg>
     <p:spTree>
@@ -4917,7 +5038,7 @@
             <a:lstStyle/>
             <a:p>
               <a:pPr>
-                <a:defRPr i="0" spc="42" sz="4300">
+                <a:defRPr sz="4300" i="0" spc="42">
                   <a:solidFill>
                     <a:srgbClr val="D03C28"/>
                   </a:solidFill>
@@ -4933,7 +5054,7 @@
             </a:p>
             <a:p>
               <a:pPr>
-                <a:defRPr i="0" spc="42" sz="4300">
+                <a:defRPr sz="4300" i="0" spc="42">
                   <a:solidFill>
                     <a:srgbClr val="D03C28"/>
                   </a:solidFill>
@@ -4943,10 +5064,11 @@
                   <a:sym typeface="Marker Felt"/>
                 </a:defRPr>
               </a:pPr>
+              <a:endParaRPr/>
             </a:p>
             <a:p>
               <a:pPr>
-                <a:defRPr i="0" spc="42" sz="4300">
+                <a:defRPr sz="4300" i="0" spc="42">
                   <a:solidFill>
                     <a:srgbClr val="D03C28"/>
                   </a:solidFill>
@@ -5023,7 +5145,7 @@
           </a:bodyPr>
           <a:lstStyle>
             <a:lvl1pPr>
-              <a:defRPr i="0" spc="136" sz="13600">
+              <a:defRPr sz="13600" i="0" spc="136">
                 <a:solidFill>
                   <a:srgbClr val="FFFFFF"/>
                 </a:solidFill>
@@ -5035,9 +5157,43 @@
             </a:lvl1pPr>
           </a:lstStyle>
           <a:p>
-            <a:pPr/>
             <a:r>
               <a:t>THANK YOU</a:t>
+            </a:r>
+          </a:p>
+        </p:txBody>
+      </p:sp>
+      <p:sp>
+        <p:nvSpPr>
+          <p:cNvPr id="2" name="矩形 1"/>
+          <p:cNvSpPr/>
+          <p:nvPr/>
+        </p:nvSpPr>
+        <p:spPr>
+          <a:xfrm>
+            <a:off x="12669967" y="7920790"/>
+            <a:ext cx="4566315" cy="584775"/>
+          </a:xfrm>
+          <a:prstGeom prst="rect">
+            <a:avLst/>
+          </a:prstGeom>
+        </p:spPr>
+        <p:txBody>
+          <a:bodyPr wrap="none">
+            <a:spAutoFit/>
+          </a:bodyPr>
+          <a:lstStyle/>
+          <a:p>
+            <a:r>
+              <a:rPr lang="zh-CN" altLang="en-US" sz="3200" i="0" dirty="0">
+                <a:solidFill>
+                  <a:srgbClr val="FF0000"/>
+                </a:solidFill>
+                <a:latin typeface="Helvetica" charset="0"/>
+                <a:ea typeface="Helvetica" charset="0"/>
+                <a:cs typeface="Helvetica" charset="0"/>
+              </a:rPr>
+              <a:t>1155112767 Chen Siyu</a:t>
             </a:r>
           </a:p>
         </p:txBody>
@@ -5047,12 +5203,12 @@
   <p:clrMapOvr>
     <a:masterClrMapping/>
   </p:clrMapOvr>
-  <p:transition xmlns:p14="http://schemas.microsoft.com/office/powerpoint/2010/main" spd="med" advClick="1"/>
+  <p:transition spd="med"/>
 </p:sld>
 </file>
 
 <file path=ppt/theme/theme1.xml><?xml version="1.0" encoding="utf-8"?>
-<a:theme xmlns:a="http://schemas.openxmlformats.org/drawingml/2006/main" xmlns:r="http://schemas.openxmlformats.org/officeDocument/2006/relationships" name="New_Template9">
+<a:theme xmlns:a="http://schemas.openxmlformats.org/drawingml/2006/main" name="New_Template9">
   <a:themeElements>
     <a:clrScheme name="New_Template9">
       <a:dk1>
@@ -5255,7 +5411,7 @@
         <a:effectLst/>
         <a:sp3d/>
       </a:spPr>
-      <a:bodyPr rot="0" spcFirstLastPara="1" vertOverflow="overflow" horzOverflow="overflow" vert="horz" wrap="square" lIns="50800" tIns="50800" rIns="50800" bIns="50800" numCol="1" spcCol="38100" rtlCol="0" anchor="ctr" upright="0">
+      <a:bodyPr rot="0" spcFirstLastPara="1" vertOverflow="overflow" horzOverflow="overflow" vert="horz" wrap="square" lIns="50800" tIns="50800" rIns="50800" bIns="50800" numCol="1" spcCol="38100" rtlCol="0" anchor="ctr">
         <a:spAutoFit/>
       </a:bodyPr>
       <a:lstStyle>
@@ -5274,7 +5430,7 @@
           <a:buFontTx/>
           <a:buNone/>
           <a:tabLst/>
-          <a:defRPr b="0" baseline="0" cap="none" i="0" spc="0" strike="noStrike" sz="3500" u="none" kumimoji="0" normalizeH="0">
+          <a:defRPr kumimoji="0" sz="3500" b="0" i="0" u="none" strike="noStrike" cap="none" spc="0" normalizeH="0" baseline="0">
             <a:ln>
               <a:noFill/>
             </a:ln>
@@ -5304,7 +5460,7 @@
           <a:buFontTx/>
           <a:buNone/>
           <a:tabLst/>
-          <a:defRPr b="0" baseline="0" cap="none" i="0" spc="0" strike="noStrike" sz="1800" u="none" kumimoji="0" normalizeH="0">
+          <a:defRPr kumimoji="0" sz="1800" b="0" i="0" u="none" strike="noStrike" cap="none" spc="0" normalizeH="0" baseline="0">
             <a:ln>
               <a:noFill/>
             </a:ln>
@@ -5330,7 +5486,7 @@
           <a:buFontTx/>
           <a:buNone/>
           <a:tabLst/>
-          <a:defRPr b="0" baseline="0" cap="none" i="0" spc="0" strike="noStrike" sz="1800" u="none" kumimoji="0" normalizeH="0">
+          <a:defRPr kumimoji="0" sz="1800" b="0" i="0" u="none" strike="noStrike" cap="none" spc="0" normalizeH="0" baseline="0">
             <a:ln>
               <a:noFill/>
             </a:ln>
@@ -5356,7 +5512,7 @@
           <a:buFontTx/>
           <a:buNone/>
           <a:tabLst/>
-          <a:defRPr b="0" baseline="0" cap="none" i="0" spc="0" strike="noStrike" sz="1800" u="none" kumimoji="0" normalizeH="0">
+          <a:defRPr kumimoji="0" sz="1800" b="0" i="0" u="none" strike="noStrike" cap="none" spc="0" normalizeH="0" baseline="0">
             <a:ln>
               <a:noFill/>
             </a:ln>
@@ -5382,7 +5538,7 @@
           <a:buFontTx/>
           <a:buNone/>
           <a:tabLst/>
-          <a:defRPr b="0" baseline="0" cap="none" i="0" spc="0" strike="noStrike" sz="1800" u="none" kumimoji="0" normalizeH="0">
+          <a:defRPr kumimoji="0" sz="1800" b="0" i="0" u="none" strike="noStrike" cap="none" spc="0" normalizeH="0" baseline="0">
             <a:ln>
               <a:noFill/>
             </a:ln>
@@ -5408,7 +5564,7 @@
           <a:buFontTx/>
           <a:buNone/>
           <a:tabLst/>
-          <a:defRPr b="0" baseline="0" cap="none" i="0" spc="0" strike="noStrike" sz="1800" u="none" kumimoji="0" normalizeH="0">
+          <a:defRPr kumimoji="0" sz="1800" b="0" i="0" u="none" strike="noStrike" cap="none" spc="0" normalizeH="0" baseline="0">
             <a:ln>
               <a:noFill/>
             </a:ln>
@@ -5434,7 +5590,7 @@
           <a:buFontTx/>
           <a:buNone/>
           <a:tabLst/>
-          <a:defRPr b="0" baseline="0" cap="none" i="0" spc="0" strike="noStrike" sz="1800" u="none" kumimoji="0" normalizeH="0">
+          <a:defRPr kumimoji="0" sz="1800" b="0" i="0" u="none" strike="noStrike" cap="none" spc="0" normalizeH="0" baseline="0">
             <a:ln>
               <a:noFill/>
             </a:ln>
@@ -5460,7 +5616,7 @@
           <a:buFontTx/>
           <a:buNone/>
           <a:tabLst/>
-          <a:defRPr b="0" baseline="0" cap="none" i="0" spc="0" strike="noStrike" sz="1800" u="none" kumimoji="0" normalizeH="0">
+          <a:defRPr kumimoji="0" sz="1800" b="0" i="0" u="none" strike="noStrike" cap="none" spc="0" normalizeH="0" baseline="0">
             <a:ln>
               <a:noFill/>
             </a:ln>
@@ -5486,7 +5642,7 @@
           <a:buFontTx/>
           <a:buNone/>
           <a:tabLst/>
-          <a:defRPr b="0" baseline="0" cap="none" i="0" spc="0" strike="noStrike" sz="1800" u="none" kumimoji="0" normalizeH="0">
+          <a:defRPr kumimoji="0" sz="1800" b="0" i="0" u="none" strike="noStrike" cap="none" spc="0" normalizeH="0" baseline="0">
             <a:ln>
               <a:noFill/>
             </a:ln>
@@ -5512,7 +5668,7 @@
           <a:buFontTx/>
           <a:buNone/>
           <a:tabLst/>
-          <a:defRPr b="0" baseline="0" cap="none" i="0" spc="0" strike="noStrike" sz="1800" u="none" kumimoji="0" normalizeH="0">
+          <a:defRPr kumimoji="0" sz="1800" b="0" i="0" u="none" strike="noStrike" cap="none" spc="0" normalizeH="0" baseline="0">
             <a:ln>
               <a:noFill/>
             </a:ln>
@@ -5525,9 +5681,15 @@
         </a:lvl9pPr>
       </a:lstStyle>
       <a:style>
-        <a:lnRef idx="0"/>
-        <a:fillRef idx="0"/>
-        <a:effectRef idx="0"/>
+        <a:lnRef idx="0">
+          <a:scrgbClr r="0" g="0" b="0"/>
+        </a:lnRef>
+        <a:fillRef idx="0">
+          <a:scrgbClr r="0" g="0" b="0"/>
+        </a:fillRef>
+        <a:effectRef idx="0">
+          <a:scrgbClr r="0" g="0" b="0"/>
+        </a:effectRef>
         <a:fontRef idx="none"/>
       </a:style>
     </a:spDef>
@@ -5544,7 +5706,7 @@
         <a:effectLst/>
         <a:sp3d/>
       </a:spPr>
-      <a:bodyPr rot="0" spcFirstLastPara="1" vertOverflow="overflow" horzOverflow="overflow" vert="horz" wrap="square" lIns="91439" tIns="45719" rIns="91439" bIns="45719" numCol="1" spcCol="38100" rtlCol="0" anchor="t" upright="0">
+      <a:bodyPr rot="0" spcFirstLastPara="1" vertOverflow="overflow" horzOverflow="overflow" vert="horz" wrap="square" lIns="91439" tIns="45719" rIns="91439" bIns="45719" numCol="1" spcCol="38100" rtlCol="0" anchor="t">
         <a:noAutofit/>
       </a:bodyPr>
       <a:lstStyle>
@@ -5563,7 +5725,7 @@
           <a:buFontTx/>
           <a:buNone/>
           <a:tabLst/>
-          <a:defRPr b="0" baseline="0" cap="none" i="0" spc="0" strike="noStrike" sz="1800" u="none" kumimoji="0" normalizeH="0">
+          <a:defRPr kumimoji="0" sz="1800" b="0" i="0" u="none" strike="noStrike" cap="none" spc="0" normalizeH="0" baseline="0">
             <a:ln>
               <a:noFill/>
             </a:ln>
@@ -5589,7 +5751,7 @@
           <a:buFontTx/>
           <a:buNone/>
           <a:tabLst/>
-          <a:defRPr b="0" baseline="0" cap="none" i="0" spc="0" strike="noStrike" sz="1800" u="none" kumimoji="0" normalizeH="0">
+          <a:defRPr kumimoji="0" sz="1800" b="0" i="0" u="none" strike="noStrike" cap="none" spc="0" normalizeH="0" baseline="0">
             <a:ln>
               <a:noFill/>
             </a:ln>
@@ -5615,7 +5777,7 @@
           <a:buFontTx/>
           <a:buNone/>
           <a:tabLst/>
-          <a:defRPr b="0" baseline="0" cap="none" i="0" spc="0" strike="noStrike" sz="1800" u="none" kumimoji="0" normalizeH="0">
+          <a:defRPr kumimoji="0" sz="1800" b="0" i="0" u="none" strike="noStrike" cap="none" spc="0" normalizeH="0" baseline="0">
             <a:ln>
               <a:noFill/>
             </a:ln>
@@ -5641,7 +5803,7 @@
           <a:buFontTx/>
           <a:buNone/>
           <a:tabLst/>
-          <a:defRPr b="0" baseline="0" cap="none" i="0" spc="0" strike="noStrike" sz="1800" u="none" kumimoji="0" normalizeH="0">
+          <a:defRPr kumimoji="0" sz="1800" b="0" i="0" u="none" strike="noStrike" cap="none" spc="0" normalizeH="0" baseline="0">
             <a:ln>
               <a:noFill/>
             </a:ln>
@@ -5667,7 +5829,7 @@
           <a:buFontTx/>
           <a:buNone/>
           <a:tabLst/>
-          <a:defRPr b="0" baseline="0" cap="none" i="0" spc="0" strike="noStrike" sz="1800" u="none" kumimoji="0" normalizeH="0">
+          <a:defRPr kumimoji="0" sz="1800" b="0" i="0" u="none" strike="noStrike" cap="none" spc="0" normalizeH="0" baseline="0">
             <a:ln>
               <a:noFill/>
             </a:ln>
@@ -5693,7 +5855,7 @@
           <a:buFontTx/>
           <a:buNone/>
           <a:tabLst/>
-          <a:defRPr b="0" baseline="0" cap="none" i="0" spc="0" strike="noStrike" sz="1800" u="none" kumimoji="0" normalizeH="0">
+          <a:defRPr kumimoji="0" sz="1800" b="0" i="0" u="none" strike="noStrike" cap="none" spc="0" normalizeH="0" baseline="0">
             <a:ln>
               <a:noFill/>
             </a:ln>
@@ -5719,7 +5881,7 @@
           <a:buFontTx/>
           <a:buNone/>
           <a:tabLst/>
-          <a:defRPr b="0" baseline="0" cap="none" i="0" spc="0" strike="noStrike" sz="1800" u="none" kumimoji="0" normalizeH="0">
+          <a:defRPr kumimoji="0" sz="1800" b="0" i="0" u="none" strike="noStrike" cap="none" spc="0" normalizeH="0" baseline="0">
             <a:ln>
               <a:noFill/>
             </a:ln>
@@ -5745,7 +5907,7 @@
           <a:buFontTx/>
           <a:buNone/>
           <a:tabLst/>
-          <a:defRPr b="0" baseline="0" cap="none" i="0" spc="0" strike="noStrike" sz="1800" u="none" kumimoji="0" normalizeH="0">
+          <a:defRPr kumimoji="0" sz="1800" b="0" i="0" u="none" strike="noStrike" cap="none" spc="0" normalizeH="0" baseline="0">
             <a:ln>
               <a:noFill/>
             </a:ln>
@@ -5771,7 +5933,7 @@
           <a:buFontTx/>
           <a:buNone/>
           <a:tabLst/>
-          <a:defRPr b="0" baseline="0" cap="none" i="0" spc="0" strike="noStrike" sz="1800" u="none" kumimoji="0" normalizeH="0">
+          <a:defRPr kumimoji="0" sz="1800" b="0" i="0" u="none" strike="noStrike" cap="none" spc="0" normalizeH="0" baseline="0">
             <a:ln>
               <a:noFill/>
             </a:ln>
@@ -5797,7 +5959,7 @@
           <a:buFontTx/>
           <a:buNone/>
           <a:tabLst/>
-          <a:defRPr b="0" baseline="0" cap="none" i="0" spc="0" strike="noStrike" sz="1800" u="none" kumimoji="0" normalizeH="0">
+          <a:defRPr kumimoji="0" sz="1800" b="0" i="0" u="none" strike="noStrike" cap="none" spc="0" normalizeH="0" baseline="0">
             <a:ln>
               <a:noFill/>
             </a:ln>
@@ -5810,9 +5972,15 @@
         </a:lvl9pPr>
       </a:lstStyle>
       <a:style>
-        <a:lnRef idx="0"/>
-        <a:fillRef idx="0"/>
-        <a:effectRef idx="0"/>
+        <a:lnRef idx="0">
+          <a:scrgbClr r="0" g="0" b="0"/>
+        </a:lnRef>
+        <a:fillRef idx="0">
+          <a:scrgbClr r="0" g="0" b="0"/>
+        </a:fillRef>
+        <a:effectRef idx="0">
+          <a:scrgbClr r="0" g="0" b="0"/>
+        </a:effectRef>
         <a:fontRef idx="none"/>
       </a:style>
     </a:lnDef>
@@ -5826,7 +5994,7 @@
         <a:effectLst/>
         <a:sp3d/>
       </a:spPr>
-      <a:bodyPr rot="0" spcFirstLastPara="1" vertOverflow="overflow" horzOverflow="overflow" vert="horz" wrap="square" lIns="50800" tIns="50800" rIns="50800" bIns="50800" numCol="1" spcCol="38100" rtlCol="0" anchor="ctr" upright="0">
+      <a:bodyPr rot="0" spcFirstLastPara="1" vertOverflow="overflow" horzOverflow="overflow" vert="horz" wrap="square" lIns="50800" tIns="50800" rIns="50800" bIns="50800" numCol="1" spcCol="38100" rtlCol="0" anchor="ctr">
         <a:spAutoFit/>
       </a:bodyPr>
       <a:lstStyle>
@@ -5845,7 +6013,7 @@
           <a:buFontTx/>
           <a:buNone/>
           <a:tabLst/>
-          <a:defRPr b="0" baseline="0" cap="none" i="1" spc="39" strike="noStrike" sz="4000" u="none" kumimoji="0" normalizeH="0">
+          <a:defRPr kumimoji="0" sz="4000" b="0" i="1" u="none" strike="noStrike" cap="none" spc="39" normalizeH="0" baseline="0">
             <a:ln>
               <a:noFill/>
             </a:ln>
@@ -5875,7 +6043,7 @@
           <a:buFontTx/>
           <a:buNone/>
           <a:tabLst/>
-          <a:defRPr b="0" baseline="0" cap="none" i="0" spc="0" strike="noStrike" sz="1800" u="none" kumimoji="0" normalizeH="0">
+          <a:defRPr kumimoji="0" sz="1800" b="0" i="0" u="none" strike="noStrike" cap="none" spc="0" normalizeH="0" baseline="0">
             <a:ln>
               <a:noFill/>
             </a:ln>
@@ -5901,7 +6069,7 @@
           <a:buFontTx/>
           <a:buNone/>
           <a:tabLst/>
-          <a:defRPr b="0" baseline="0" cap="none" i="0" spc="0" strike="noStrike" sz="1800" u="none" kumimoji="0" normalizeH="0">
+          <a:defRPr kumimoji="0" sz="1800" b="0" i="0" u="none" strike="noStrike" cap="none" spc="0" normalizeH="0" baseline="0">
             <a:ln>
               <a:noFill/>
             </a:ln>
@@ -5927,7 +6095,7 @@
           <a:buFontTx/>
           <a:buNone/>
           <a:tabLst/>
-          <a:defRPr b="0" baseline="0" cap="none" i="0" spc="0" strike="noStrike" sz="1800" u="none" kumimoji="0" normalizeH="0">
+          <a:defRPr kumimoji="0" sz="1800" b="0" i="0" u="none" strike="noStrike" cap="none" spc="0" normalizeH="0" baseline="0">
             <a:ln>
               <a:noFill/>
             </a:ln>
@@ -5953,7 +6121,7 @@
           <a:buFontTx/>
           <a:buNone/>
           <a:tabLst/>
-          <a:defRPr b="0" baseline="0" cap="none" i="0" spc="0" strike="noStrike" sz="1800" u="none" kumimoji="0" normalizeH="0">
+          <a:defRPr kumimoji="0" sz="1800" b="0" i="0" u="none" strike="noStrike" cap="none" spc="0" normalizeH="0" baseline="0">
             <a:ln>
               <a:noFill/>
             </a:ln>
@@ -5979,7 +6147,7 @@
           <a:buFontTx/>
           <a:buNone/>
           <a:tabLst/>
-          <a:defRPr b="0" baseline="0" cap="none" i="0" spc="0" strike="noStrike" sz="1800" u="none" kumimoji="0" normalizeH="0">
+          <a:defRPr kumimoji="0" sz="1800" b="0" i="0" u="none" strike="noStrike" cap="none" spc="0" normalizeH="0" baseline="0">
             <a:ln>
               <a:noFill/>
             </a:ln>
@@ -6005,7 +6173,7 @@
           <a:buFontTx/>
           <a:buNone/>
           <a:tabLst/>
-          <a:defRPr b="0" baseline="0" cap="none" i="0" spc="0" strike="noStrike" sz="1800" u="none" kumimoji="0" normalizeH="0">
+          <a:defRPr kumimoji="0" sz="1800" b="0" i="0" u="none" strike="noStrike" cap="none" spc="0" normalizeH="0" baseline="0">
             <a:ln>
               <a:noFill/>
             </a:ln>
@@ -6031,7 +6199,7 @@
           <a:buFontTx/>
           <a:buNone/>
           <a:tabLst/>
-          <a:defRPr b="0" baseline="0" cap="none" i="0" spc="0" strike="noStrike" sz="1800" u="none" kumimoji="0" normalizeH="0">
+          <a:defRPr kumimoji="0" sz="1800" b="0" i="0" u="none" strike="noStrike" cap="none" spc="0" normalizeH="0" baseline="0">
             <a:ln>
               <a:noFill/>
             </a:ln>
@@ -6057,7 +6225,7 @@
           <a:buFontTx/>
           <a:buNone/>
           <a:tabLst/>
-          <a:defRPr b="0" baseline="0" cap="none" i="0" spc="0" strike="noStrike" sz="1800" u="none" kumimoji="0" normalizeH="0">
+          <a:defRPr kumimoji="0" sz="1800" b="0" i="0" u="none" strike="noStrike" cap="none" spc="0" normalizeH="0" baseline="0">
             <a:ln>
               <a:noFill/>
             </a:ln>
@@ -6083,7 +6251,7 @@
           <a:buFontTx/>
           <a:buNone/>
           <a:tabLst/>
-          <a:defRPr b="0" baseline="0" cap="none" i="0" spc="0" strike="noStrike" sz="1800" u="none" kumimoji="0" normalizeH="0">
+          <a:defRPr kumimoji="0" sz="1800" b="0" i="0" u="none" strike="noStrike" cap="none" spc="0" normalizeH="0" baseline="0">
             <a:ln>
               <a:noFill/>
             </a:ln>
@@ -6096,18 +6264,25 @@
         </a:lvl9pPr>
       </a:lstStyle>
       <a:style>
-        <a:lnRef idx="0"/>
-        <a:fillRef idx="0"/>
-        <a:effectRef idx="0"/>
+        <a:lnRef idx="0">
+          <a:scrgbClr r="0" g="0" b="0"/>
+        </a:lnRef>
+        <a:fillRef idx="0">
+          <a:scrgbClr r="0" g="0" b="0"/>
+        </a:fillRef>
+        <a:effectRef idx="0">
+          <a:scrgbClr r="0" g="0" b="0"/>
+        </a:effectRef>
         <a:fontRef idx="none"/>
       </a:style>
     </a:txDef>
   </a:objectDefaults>
+  <a:extraClrSchemeLst/>
 </a:theme>
 </file>
 
 <file path=ppt/theme/theme2.xml><?xml version="1.0" encoding="utf-8"?>
-<a:theme xmlns:a="http://schemas.openxmlformats.org/drawingml/2006/main" xmlns:r="http://schemas.openxmlformats.org/officeDocument/2006/relationships" name="New_Template9">
+<a:theme xmlns:a="http://schemas.openxmlformats.org/drawingml/2006/main" name="New_Template9">
   <a:themeElements>
     <a:clrScheme name="New_Template9">
       <a:dk1>
@@ -6310,7 +6485,7 @@
         <a:effectLst/>
         <a:sp3d/>
       </a:spPr>
-      <a:bodyPr rot="0" spcFirstLastPara="1" vertOverflow="overflow" horzOverflow="overflow" vert="horz" wrap="square" lIns="50800" tIns="50800" rIns="50800" bIns="50800" numCol="1" spcCol="38100" rtlCol="0" anchor="ctr" upright="0">
+      <a:bodyPr rot="0" spcFirstLastPara="1" vertOverflow="overflow" horzOverflow="overflow" vert="horz" wrap="square" lIns="50800" tIns="50800" rIns="50800" bIns="50800" numCol="1" spcCol="38100" rtlCol="0" anchor="ctr">
         <a:spAutoFit/>
       </a:bodyPr>
       <a:lstStyle>
@@ -6329,7 +6504,7 @@
           <a:buFontTx/>
           <a:buNone/>
           <a:tabLst/>
-          <a:defRPr b="0" baseline="0" cap="none" i="0" spc="0" strike="noStrike" sz="3500" u="none" kumimoji="0" normalizeH="0">
+          <a:defRPr kumimoji="0" sz="3500" b="0" i="0" u="none" strike="noStrike" cap="none" spc="0" normalizeH="0" baseline="0">
             <a:ln>
               <a:noFill/>
             </a:ln>
@@ -6359,7 +6534,7 @@
           <a:buFontTx/>
           <a:buNone/>
           <a:tabLst/>
-          <a:defRPr b="0" baseline="0" cap="none" i="0" spc="0" strike="noStrike" sz="1800" u="none" kumimoji="0" normalizeH="0">
+          <a:defRPr kumimoji="0" sz="1800" b="0" i="0" u="none" strike="noStrike" cap="none" spc="0" normalizeH="0" baseline="0">
             <a:ln>
               <a:noFill/>
             </a:ln>
@@ -6385,7 +6560,7 @@
           <a:buFontTx/>
           <a:buNone/>
           <a:tabLst/>
-          <a:defRPr b="0" baseline="0" cap="none" i="0" spc="0" strike="noStrike" sz="1800" u="none" kumimoji="0" normalizeH="0">
+          <a:defRPr kumimoji="0" sz="1800" b="0" i="0" u="none" strike="noStrike" cap="none" spc="0" normalizeH="0" baseline="0">
             <a:ln>
               <a:noFill/>
             </a:ln>
@@ -6411,7 +6586,7 @@
           <a:buFontTx/>
           <a:buNone/>
           <a:tabLst/>
-          <a:defRPr b="0" baseline="0" cap="none" i="0" spc="0" strike="noStrike" sz="1800" u="none" kumimoji="0" normalizeH="0">
+          <a:defRPr kumimoji="0" sz="1800" b="0" i="0" u="none" strike="noStrike" cap="none" spc="0" normalizeH="0" baseline="0">
             <a:ln>
               <a:noFill/>
             </a:ln>
@@ -6437,7 +6612,7 @@
           <a:buFontTx/>
           <a:buNone/>
           <a:tabLst/>
-          <a:defRPr b="0" baseline="0" cap="none" i="0" spc="0" strike="noStrike" sz="1800" u="none" kumimoji="0" normalizeH="0">
+          <a:defRPr kumimoji="0" sz="1800" b="0" i="0" u="none" strike="noStrike" cap="none" spc="0" normalizeH="0" baseline="0">
             <a:ln>
               <a:noFill/>
             </a:ln>
@@ -6463,7 +6638,7 @@
           <a:buFontTx/>
           <a:buNone/>
           <a:tabLst/>
-          <a:defRPr b="0" baseline="0" cap="none" i="0" spc="0" strike="noStrike" sz="1800" u="none" kumimoji="0" normalizeH="0">
+          <a:defRPr kumimoji="0" sz="1800" b="0" i="0" u="none" strike="noStrike" cap="none" spc="0" normalizeH="0" baseline="0">
             <a:ln>
               <a:noFill/>
             </a:ln>
@@ -6489,7 +6664,7 @@
           <a:buFontTx/>
           <a:buNone/>
           <a:tabLst/>
-          <a:defRPr b="0" baseline="0" cap="none" i="0" spc="0" strike="noStrike" sz="1800" u="none" kumimoji="0" normalizeH="0">
+          <a:defRPr kumimoji="0" sz="1800" b="0" i="0" u="none" strike="noStrike" cap="none" spc="0" normalizeH="0" baseline="0">
             <a:ln>
               <a:noFill/>
             </a:ln>
@@ -6515,7 +6690,7 @@
           <a:buFontTx/>
           <a:buNone/>
           <a:tabLst/>
-          <a:defRPr b="0" baseline="0" cap="none" i="0" spc="0" strike="noStrike" sz="1800" u="none" kumimoji="0" normalizeH="0">
+          <a:defRPr kumimoji="0" sz="1800" b="0" i="0" u="none" strike="noStrike" cap="none" spc="0" normalizeH="0" baseline="0">
             <a:ln>
               <a:noFill/>
             </a:ln>
@@ -6541,7 +6716,7 @@
           <a:buFontTx/>
           <a:buNone/>
           <a:tabLst/>
-          <a:defRPr b="0" baseline="0" cap="none" i="0" spc="0" strike="noStrike" sz="1800" u="none" kumimoji="0" normalizeH="0">
+          <a:defRPr kumimoji="0" sz="1800" b="0" i="0" u="none" strike="noStrike" cap="none" spc="0" normalizeH="0" baseline="0">
             <a:ln>
               <a:noFill/>
             </a:ln>
@@ -6567,7 +6742,7 @@
           <a:buFontTx/>
           <a:buNone/>
           <a:tabLst/>
-          <a:defRPr b="0" baseline="0" cap="none" i="0" spc="0" strike="noStrike" sz="1800" u="none" kumimoji="0" normalizeH="0">
+          <a:defRPr kumimoji="0" sz="1800" b="0" i="0" u="none" strike="noStrike" cap="none" spc="0" normalizeH="0" baseline="0">
             <a:ln>
               <a:noFill/>
             </a:ln>
@@ -6580,9 +6755,15 @@
         </a:lvl9pPr>
       </a:lstStyle>
       <a:style>
-        <a:lnRef idx="0"/>
-        <a:fillRef idx="0"/>
-        <a:effectRef idx="0"/>
+        <a:lnRef idx="0">
+          <a:scrgbClr r="0" g="0" b="0"/>
+        </a:lnRef>
+        <a:fillRef idx="0">
+          <a:scrgbClr r="0" g="0" b="0"/>
+        </a:fillRef>
+        <a:effectRef idx="0">
+          <a:scrgbClr r="0" g="0" b="0"/>
+        </a:effectRef>
         <a:fontRef idx="none"/>
       </a:style>
     </a:spDef>
@@ -6599,7 +6780,7 @@
         <a:effectLst/>
         <a:sp3d/>
       </a:spPr>
-      <a:bodyPr rot="0" spcFirstLastPara="1" vertOverflow="overflow" horzOverflow="overflow" vert="horz" wrap="square" lIns="91439" tIns="45719" rIns="91439" bIns="45719" numCol="1" spcCol="38100" rtlCol="0" anchor="t" upright="0">
+      <a:bodyPr rot="0" spcFirstLastPara="1" vertOverflow="overflow" horzOverflow="overflow" vert="horz" wrap="square" lIns="91439" tIns="45719" rIns="91439" bIns="45719" numCol="1" spcCol="38100" rtlCol="0" anchor="t">
         <a:noAutofit/>
       </a:bodyPr>
       <a:lstStyle>
@@ -6618,7 +6799,7 @@
           <a:buFontTx/>
           <a:buNone/>
           <a:tabLst/>
-          <a:defRPr b="0" baseline="0" cap="none" i="0" spc="0" strike="noStrike" sz="1800" u="none" kumimoji="0" normalizeH="0">
+          <a:defRPr kumimoji="0" sz="1800" b="0" i="0" u="none" strike="noStrike" cap="none" spc="0" normalizeH="0" baseline="0">
             <a:ln>
               <a:noFill/>
             </a:ln>
@@ -6644,7 +6825,7 @@
           <a:buFontTx/>
           <a:buNone/>
           <a:tabLst/>
-          <a:defRPr b="0" baseline="0" cap="none" i="0" spc="0" strike="noStrike" sz="1800" u="none" kumimoji="0" normalizeH="0">
+          <a:defRPr kumimoji="0" sz="1800" b="0" i="0" u="none" strike="noStrike" cap="none" spc="0" normalizeH="0" baseline="0">
             <a:ln>
               <a:noFill/>
             </a:ln>
@@ -6670,7 +6851,7 @@
           <a:buFontTx/>
           <a:buNone/>
           <a:tabLst/>
-          <a:defRPr b="0" baseline="0" cap="none" i="0" spc="0" strike="noStrike" sz="1800" u="none" kumimoji="0" normalizeH="0">
+          <a:defRPr kumimoji="0" sz="1800" b="0" i="0" u="none" strike="noStrike" cap="none" spc="0" normalizeH="0" baseline="0">
             <a:ln>
               <a:noFill/>
             </a:ln>
@@ -6696,7 +6877,7 @@
           <a:buFontTx/>
           <a:buNone/>
           <a:tabLst/>
-          <a:defRPr b="0" baseline="0" cap="none" i="0" spc="0" strike="noStrike" sz="1800" u="none" kumimoji="0" normalizeH="0">
+          <a:defRPr kumimoji="0" sz="1800" b="0" i="0" u="none" strike="noStrike" cap="none" spc="0" normalizeH="0" baseline="0">
             <a:ln>
               <a:noFill/>
             </a:ln>
@@ -6722,7 +6903,7 @@
           <a:buFontTx/>
           <a:buNone/>
           <a:tabLst/>
-          <a:defRPr b="0" baseline="0" cap="none" i="0" spc="0" strike="noStrike" sz="1800" u="none" kumimoji="0" normalizeH="0">
+          <a:defRPr kumimoji="0" sz="1800" b="0" i="0" u="none" strike="noStrike" cap="none" spc="0" normalizeH="0" baseline="0">
             <a:ln>
               <a:noFill/>
             </a:ln>
@@ -6748,7 +6929,7 @@
           <a:buFontTx/>
           <a:buNone/>
           <a:tabLst/>
-          <a:defRPr b="0" baseline="0" cap="none" i="0" spc="0" strike="noStrike" sz="1800" u="none" kumimoji="0" normalizeH="0">
+          <a:defRPr kumimoji="0" sz="1800" b="0" i="0" u="none" strike="noStrike" cap="none" spc="0" normalizeH="0" baseline="0">
             <a:ln>
               <a:noFill/>
             </a:ln>
@@ -6774,7 +6955,7 @@
           <a:buFontTx/>
           <a:buNone/>
           <a:tabLst/>
-          <a:defRPr b="0" baseline="0" cap="none" i="0" spc="0" strike="noStrike" sz="1800" u="none" kumimoji="0" normalizeH="0">
+          <a:defRPr kumimoji="0" sz="1800" b="0" i="0" u="none" strike="noStrike" cap="none" spc="0" normalizeH="0" baseline="0">
             <a:ln>
               <a:noFill/>
             </a:ln>
@@ -6800,7 +6981,7 @@
           <a:buFontTx/>
           <a:buNone/>
           <a:tabLst/>
-          <a:defRPr b="0" baseline="0" cap="none" i="0" spc="0" strike="noStrike" sz="1800" u="none" kumimoji="0" normalizeH="0">
+          <a:defRPr kumimoji="0" sz="1800" b="0" i="0" u="none" strike="noStrike" cap="none" spc="0" normalizeH="0" baseline="0">
             <a:ln>
               <a:noFill/>
             </a:ln>
@@ -6826,7 +7007,7 @@
           <a:buFontTx/>
           <a:buNone/>
           <a:tabLst/>
-          <a:defRPr b="0" baseline="0" cap="none" i="0" spc="0" strike="noStrike" sz="1800" u="none" kumimoji="0" normalizeH="0">
+          <a:defRPr kumimoji="0" sz="1800" b="0" i="0" u="none" strike="noStrike" cap="none" spc="0" normalizeH="0" baseline="0">
             <a:ln>
               <a:noFill/>
             </a:ln>
@@ -6852,7 +7033,7 @@
           <a:buFontTx/>
           <a:buNone/>
           <a:tabLst/>
-          <a:defRPr b="0" baseline="0" cap="none" i="0" spc="0" strike="noStrike" sz="1800" u="none" kumimoji="0" normalizeH="0">
+          <a:defRPr kumimoji="0" sz="1800" b="0" i="0" u="none" strike="noStrike" cap="none" spc="0" normalizeH="0" baseline="0">
             <a:ln>
               <a:noFill/>
             </a:ln>
@@ -6865,9 +7046,15 @@
         </a:lvl9pPr>
       </a:lstStyle>
       <a:style>
-        <a:lnRef idx="0"/>
-        <a:fillRef idx="0"/>
-        <a:effectRef idx="0"/>
+        <a:lnRef idx="0">
+          <a:scrgbClr r="0" g="0" b="0"/>
+        </a:lnRef>
+        <a:fillRef idx="0">
+          <a:scrgbClr r="0" g="0" b="0"/>
+        </a:fillRef>
+        <a:effectRef idx="0">
+          <a:scrgbClr r="0" g="0" b="0"/>
+        </a:effectRef>
         <a:fontRef idx="none"/>
       </a:style>
     </a:lnDef>
@@ -6881,7 +7068,7 @@
         <a:effectLst/>
         <a:sp3d/>
       </a:spPr>
-      <a:bodyPr rot="0" spcFirstLastPara="1" vertOverflow="overflow" horzOverflow="overflow" vert="horz" wrap="square" lIns="50800" tIns="50800" rIns="50800" bIns="50800" numCol="1" spcCol="38100" rtlCol="0" anchor="ctr" upright="0">
+      <a:bodyPr rot="0" spcFirstLastPara="1" vertOverflow="overflow" horzOverflow="overflow" vert="horz" wrap="square" lIns="50800" tIns="50800" rIns="50800" bIns="50800" numCol="1" spcCol="38100" rtlCol="0" anchor="ctr">
         <a:spAutoFit/>
       </a:bodyPr>
       <a:lstStyle>
@@ -6900,7 +7087,7 @@
           <a:buFontTx/>
           <a:buNone/>
           <a:tabLst/>
-          <a:defRPr b="0" baseline="0" cap="none" i="1" spc="39" strike="noStrike" sz="4000" u="none" kumimoji="0" normalizeH="0">
+          <a:defRPr kumimoji="0" sz="4000" b="0" i="1" u="none" strike="noStrike" cap="none" spc="39" normalizeH="0" baseline="0">
             <a:ln>
               <a:noFill/>
             </a:ln>
@@ -6930,7 +7117,7 @@
           <a:buFontTx/>
           <a:buNone/>
           <a:tabLst/>
-          <a:defRPr b="0" baseline="0" cap="none" i="0" spc="0" strike="noStrike" sz="1800" u="none" kumimoji="0" normalizeH="0">
+          <a:defRPr kumimoji="0" sz="1800" b="0" i="0" u="none" strike="noStrike" cap="none" spc="0" normalizeH="0" baseline="0">
             <a:ln>
               <a:noFill/>
             </a:ln>
@@ -6956,7 +7143,7 @@
           <a:buFontTx/>
           <a:buNone/>
           <a:tabLst/>
-          <a:defRPr b="0" baseline="0" cap="none" i="0" spc="0" strike="noStrike" sz="1800" u="none" kumimoji="0" normalizeH="0">
+          <a:defRPr kumimoji="0" sz="1800" b="0" i="0" u="none" strike="noStrike" cap="none" spc="0" normalizeH="0" baseline="0">
             <a:ln>
               <a:noFill/>
             </a:ln>
@@ -6982,7 +7169,7 @@
           <a:buFontTx/>
           <a:buNone/>
           <a:tabLst/>
-          <a:defRPr b="0" baseline="0" cap="none" i="0" spc="0" strike="noStrike" sz="1800" u="none" kumimoji="0" normalizeH="0">
+          <a:defRPr kumimoji="0" sz="1800" b="0" i="0" u="none" strike="noStrike" cap="none" spc="0" normalizeH="0" baseline="0">
             <a:ln>
               <a:noFill/>
             </a:ln>
@@ -7008,7 +7195,7 @@
           <a:buFontTx/>
           <a:buNone/>
           <a:tabLst/>
-          <a:defRPr b="0" baseline="0" cap="none" i="0" spc="0" strike="noStrike" sz="1800" u="none" kumimoji="0" normalizeH="0">
+          <a:defRPr kumimoji="0" sz="1800" b="0" i="0" u="none" strike="noStrike" cap="none" spc="0" normalizeH="0" baseline="0">
             <a:ln>
               <a:noFill/>
             </a:ln>
@@ -7034,7 +7221,7 @@
           <a:buFontTx/>
           <a:buNone/>
           <a:tabLst/>
-          <a:defRPr b="0" baseline="0" cap="none" i="0" spc="0" strike="noStrike" sz="1800" u="none" kumimoji="0" normalizeH="0">
+          <a:defRPr kumimoji="0" sz="1800" b="0" i="0" u="none" strike="noStrike" cap="none" spc="0" normalizeH="0" baseline="0">
             <a:ln>
               <a:noFill/>
             </a:ln>
@@ -7060,7 +7247,7 @@
           <a:buFontTx/>
           <a:buNone/>
           <a:tabLst/>
-          <a:defRPr b="0" baseline="0" cap="none" i="0" spc="0" strike="noStrike" sz="1800" u="none" kumimoji="0" normalizeH="0">
+          <a:defRPr kumimoji="0" sz="1800" b="0" i="0" u="none" strike="noStrike" cap="none" spc="0" normalizeH="0" baseline="0">
             <a:ln>
               <a:noFill/>
             </a:ln>
@@ -7086,7 +7273,7 @@
           <a:buFontTx/>
           <a:buNone/>
           <a:tabLst/>
-          <a:defRPr b="0" baseline="0" cap="none" i="0" spc="0" strike="noStrike" sz="1800" u="none" kumimoji="0" normalizeH="0">
+          <a:defRPr kumimoji="0" sz="1800" b="0" i="0" u="none" strike="noStrike" cap="none" spc="0" normalizeH="0" baseline="0">
             <a:ln>
               <a:noFill/>
             </a:ln>
@@ -7112,7 +7299,7 @@
           <a:buFontTx/>
           <a:buNone/>
           <a:tabLst/>
-          <a:defRPr b="0" baseline="0" cap="none" i="0" spc="0" strike="noStrike" sz="1800" u="none" kumimoji="0" normalizeH="0">
+          <a:defRPr kumimoji="0" sz="1800" b="0" i="0" u="none" strike="noStrike" cap="none" spc="0" normalizeH="0" baseline="0">
             <a:ln>
               <a:noFill/>
             </a:ln>
@@ -7138,7 +7325,7 @@
           <a:buFontTx/>
           <a:buNone/>
           <a:tabLst/>
-          <a:defRPr b="0" baseline="0" cap="none" i="0" spc="0" strike="noStrike" sz="1800" u="none" kumimoji="0" normalizeH="0">
+          <a:defRPr kumimoji="0" sz="1800" b="0" i="0" u="none" strike="noStrike" cap="none" spc="0" normalizeH="0" baseline="0">
             <a:ln>
               <a:noFill/>
             </a:ln>
@@ -7151,12 +7338,19 @@
         </a:lvl9pPr>
       </a:lstStyle>
       <a:style>
-        <a:lnRef idx="0"/>
-        <a:fillRef idx="0"/>
-        <a:effectRef idx="0"/>
+        <a:lnRef idx="0">
+          <a:scrgbClr r="0" g="0" b="0"/>
+        </a:lnRef>
+        <a:fillRef idx="0">
+          <a:scrgbClr r="0" g="0" b="0"/>
+        </a:fillRef>
+        <a:effectRef idx="0">
+          <a:scrgbClr r="0" g="0" b="0"/>
+        </a:effectRef>
         <a:fontRef idx="none"/>
       </a:style>
     </a:txDef>
   </a:objectDefaults>
+  <a:extraClrSchemeLst/>
 </a:theme>
 </file>
--- a/assignment7/PRE_MACppt.pptx
+++ b/assignment7/PRE_MACppt.pptx
@@ -10,7 +10,7 @@
   <p:sldIdLst>
     <p:sldId id="256" r:id="rId2"/>
     <p:sldId id="257" r:id="rId3"/>
-    <p:sldId id="258" r:id="rId4"/>
+    <p:sldId id="260" r:id="rId4"/>
     <p:sldId id="259" r:id="rId5"/>
   </p:sldIdLst>
   <p:sldSz cx="24384000" cy="13716000"/>
@@ -313,6 +313,11 @@
       </a:defRPr>
     </a:lvl9pPr>
   </p:defaultTextStyle>
+  <p:extLst>
+    <p:ext uri="{EFAFB233-063F-42B5-8137-9DF3F51BA10A}">
+      <p15:sldGuideLst xmlns:p15="http://schemas.microsoft.com/office/powerpoint/2012/main"/>
+    </p:ext>
+  </p:extLst>
 </p:presentation>
 </file>
 
@@ -4030,6 +4035,13 @@
     <a:masterClrMapping/>
   </p:clrMapOvr>
   <p:transition spd="med"/>
+  <p:timing>
+    <p:tnLst>
+      <p:par>
+        <p:cTn id="1" dur="indefinite" restart="never" nodeType="tmRoot"/>
+      </p:par>
+    </p:tnLst>
+  </p:timing>
 </p:sld>
 </file>
 
@@ -4546,14 +4558,6 @@
 <file path=ppt/slides/slide3.xml><?xml version="1.0" encoding="utf-8"?>
 <p:sld xmlns:a="http://schemas.openxmlformats.org/drawingml/2006/main" xmlns:r="http://schemas.openxmlformats.org/officeDocument/2006/relationships" xmlns:p="http://schemas.openxmlformats.org/presentationml/2006/main">
   <p:cSld>
-    <p:bg>
-      <p:bgPr>
-        <a:solidFill>
-          <a:srgbClr val="08090F"/>
-        </a:solidFill>
-        <a:effectLst/>
-      </p:bgPr>
-    </p:bg>
     <p:spTree>
       <p:nvGrpSpPr>
         <p:cNvPr id="1" name=""/>
@@ -4568,6 +4572,36 @@
           <a:chExt cx="0" cy="0"/>
         </a:xfrm>
       </p:grpSpPr>
+      <p:pic>
+        <p:nvPicPr>
+          <p:cNvPr id="13" name="mac口红.jpg" descr="mac口红.jpg"/>
+          <p:cNvPicPr>
+            <a:picLocks noChangeAspect="1"/>
+          </p:cNvPicPr>
+          <p:nvPr/>
+        </p:nvPicPr>
+        <p:blipFill>
+          <a:blip r:embed="rId2">
+            <a:extLst/>
+          </a:blip>
+          <a:srcRect b="16063"/>
+          <a:stretch>
+            <a:fillRect/>
+          </a:stretch>
+        </p:blipFill>
+        <p:spPr>
+          <a:xfrm>
+            <a:off x="-6251" y="14846"/>
+            <a:ext cx="24396502" cy="13686308"/>
+          </a:xfrm>
+          <a:prstGeom prst="rect">
+            <a:avLst/>
+          </a:prstGeom>
+          <a:ln w="12700">
+            <a:miter lim="400000"/>
+          </a:ln>
+        </p:spPr>
+      </p:pic>
       <p:pic>
         <p:nvPicPr>
           <p:cNvPr id="143" name="mac口红.jpg" descr="mac口红.jpg"/>
@@ -4587,8 +4621,8 @@
         </p:blipFill>
         <p:spPr>
           <a:xfrm>
-            <a:off x="-6251" y="14846"/>
-            <a:ext cx="24396502" cy="13686308"/>
+            <a:off x="-6251" y="0"/>
+            <a:ext cx="24396502" cy="13710032"/>
           </a:xfrm>
           <a:prstGeom prst="rect">
             <a:avLst/>
@@ -4899,12 +4933,227 @@
           </a:p>
         </p:txBody>
       </p:sp>
+      <p:grpSp>
+        <p:nvGrpSpPr>
+          <p:cNvPr id="152" name="成组"/>
+          <p:cNvGrpSpPr/>
+          <p:nvPr/>
+        </p:nvGrpSpPr>
+        <p:grpSpPr>
+          <a:xfrm>
+            <a:off x="2886891" y="4954426"/>
+            <a:ext cx="18610218" cy="6195535"/>
+            <a:chOff x="0" y="0"/>
+            <a:chExt cx="18610217" cy="6195533"/>
+          </a:xfrm>
+        </p:grpSpPr>
+        <p:pic>
+          <p:nvPicPr>
+            <p:cNvPr id="150" name="屏幕快照 2018-12-02 下午1.24.00.png" descr="屏幕快照 2018-12-02 下午1.24.00.png"/>
+            <p:cNvPicPr>
+              <a:picLocks noChangeAspect="1"/>
+            </p:cNvPicPr>
+            <p:nvPr/>
+          </p:nvPicPr>
+          <p:blipFill>
+            <a:blip r:embed="rId4">
+              <a:extLst/>
+            </a:blip>
+            <a:stretch>
+              <a:fillRect/>
+            </a:stretch>
+          </p:blipFill>
+          <p:spPr>
+            <a:xfrm>
+              <a:off x="0" y="0"/>
+              <a:ext cx="4384215" cy="6195534"/>
+            </a:xfrm>
+            <a:prstGeom prst="rect">
+              <a:avLst/>
+            </a:prstGeom>
+            <a:ln w="12700" cap="flat">
+              <a:noFill/>
+              <a:miter lim="400000"/>
+            </a:ln>
+            <a:effectLst/>
+          </p:spPr>
+        </p:pic>
+        <p:pic>
+          <p:nvPicPr>
+            <p:cNvPr id="151" name="屏幕快照 2018-12-02 下午1.25.21.png" descr="屏幕快照 2018-12-02 下午1.25.21.png"/>
+            <p:cNvPicPr>
+              <a:picLocks noChangeAspect="1"/>
+            </p:cNvPicPr>
+            <p:nvPr/>
+          </p:nvPicPr>
+          <p:blipFill>
+            <a:blip r:embed="rId5">
+              <a:extLst/>
+            </a:blip>
+            <a:stretch>
+              <a:fillRect/>
+            </a:stretch>
+          </p:blipFill>
+          <p:spPr>
+            <a:xfrm>
+              <a:off x="4382749" y="0"/>
+              <a:ext cx="14227469" cy="6195534"/>
+            </a:xfrm>
+            <a:prstGeom prst="rect">
+              <a:avLst/>
+            </a:prstGeom>
+            <a:ln w="12700" cap="flat">
+              <a:noFill/>
+              <a:miter lim="400000"/>
+            </a:ln>
+            <a:effectLst/>
+          </p:spPr>
+        </p:pic>
+      </p:grpSp>
     </p:spTree>
+    <p:extLst>
+      <p:ext uri="{BB962C8B-B14F-4D97-AF65-F5344CB8AC3E}">
+        <p14:creationId xmlns:p14="http://schemas.microsoft.com/office/powerpoint/2010/main" val="634661887"/>
+      </p:ext>
+    </p:extLst>
   </p:cSld>
   <p:clrMapOvr>
     <a:masterClrMapping/>
   </p:clrMapOvr>
   <p:transition spd="med"/>
+  <p:timing>
+    <p:tnLst>
+      <p:par>
+        <p:cTn id="1" dur="indefinite" restart="never" fill="hold" nodeType="tmRoot">
+          <p:childTnLst>
+            <p:seq concurrent="1" prevAc="none" nextAc="seek">
+              <p:cTn id="2" dur="indefinite" fill="hold" nodeType="mainSeq">
+                <p:childTnLst>
+                  <p:par>
+                    <p:cTn id="3" fill="hold">
+                      <p:stCondLst>
+                        <p:cond delay="indefinite"/>
+                      </p:stCondLst>
+                      <p:childTnLst>
+                        <p:par>
+                          <p:cTn id="4" fill="hold">
+                            <p:stCondLst>
+                              <p:cond delay="0"/>
+                            </p:stCondLst>
+                            <p:childTnLst>
+                              <p:par>
+                                <p:cTn id="5" presetID="9" presetClass="exit" fill="hold" grpId="0" nodeType="clickEffect">
+                                  <p:stCondLst>
+                                    <p:cond delay="0"/>
+                                  </p:stCondLst>
+                                  <p:iterate>
+                                    <p:tmAbs val="0"/>
+                                  </p:iterate>
+                                  <p:childTnLst>
+                                    <p:animEffect transition="out" filter="dissolve">
+                                      <p:cBhvr>
+                                        <p:cTn id="6" dur="700" fill="hold"/>
+                                        <p:tgtEl>
+                                          <p:spTgt spid="149"/>
+                                        </p:tgtEl>
+                                      </p:cBhvr>
+                                    </p:animEffect>
+                                    <p:set>
+                                      <p:cBhvr>
+                                        <p:cTn id="7" fill="hold">
+                                          <p:stCondLst>
+                                            <p:cond delay="699"/>
+                                          </p:stCondLst>
+                                        </p:cTn>
+                                        <p:tgtEl>
+                                          <p:spTgt spid="149"/>
+                                        </p:tgtEl>
+                                        <p:attrNameLst>
+                                          <p:attrName>style.visibility</p:attrName>
+                                        </p:attrNameLst>
+                                      </p:cBhvr>
+                                      <p:to>
+                                        <p:strVal val="hidden"/>
+                                      </p:to>
+                                    </p:set>
+                                  </p:childTnLst>
+                                </p:cTn>
+                              </p:par>
+                            </p:childTnLst>
+                          </p:cTn>
+                        </p:par>
+                        <p:par>
+                          <p:cTn id="8" fill="hold">
+                            <p:stCondLst>
+                              <p:cond delay="700"/>
+                            </p:stCondLst>
+                            <p:childTnLst>
+                              <p:par>
+                                <p:cTn id="9" presetID="9" presetClass="entr" fill="hold" grpId="0" nodeType="afterEffect">
+                                  <p:stCondLst>
+                                    <p:cond delay="0"/>
+                                  </p:stCondLst>
+                                  <p:iterate>
+                                    <p:tmAbs val="0"/>
+                                  </p:iterate>
+                                  <p:childTnLst>
+                                    <p:set>
+                                      <p:cBhvr>
+                                        <p:cTn id="10" fill="hold"/>
+                                        <p:tgtEl>
+                                          <p:spTgt spid="152"/>
+                                        </p:tgtEl>
+                                        <p:attrNameLst>
+                                          <p:attrName>style.visibility</p:attrName>
+                                        </p:attrNameLst>
+                                      </p:cBhvr>
+                                      <p:to>
+                                        <p:strVal val="visible"/>
+                                      </p:to>
+                                    </p:set>
+                                    <p:animEffect transition="in" filter="dissolve">
+                                      <p:cBhvr>
+                                        <p:cTn id="11" dur="700"/>
+                                        <p:tgtEl>
+                                          <p:spTgt spid="152"/>
+                                        </p:tgtEl>
+                                      </p:cBhvr>
+                                    </p:animEffect>
+                                  </p:childTnLst>
+                                </p:cTn>
+                              </p:par>
+                            </p:childTnLst>
+                          </p:cTn>
+                        </p:par>
+                      </p:childTnLst>
+                    </p:cTn>
+                  </p:par>
+                </p:childTnLst>
+              </p:cTn>
+              <p:prevCondLst>
+                <p:cond evt="onPrev" delay="0">
+                  <p:tgtEl>
+                    <p:sldTgt/>
+                  </p:tgtEl>
+                </p:cond>
+              </p:prevCondLst>
+              <p:nextCondLst>
+                <p:cond evt="onNext" delay="0">
+                  <p:tgtEl>
+                    <p:sldTgt/>
+                  </p:tgtEl>
+                </p:cond>
+              </p:nextCondLst>
+            </p:seq>
+          </p:childTnLst>
+        </p:cTn>
+      </p:par>
+    </p:tnLst>
+    <p:bldLst>
+      <p:bldP spid="149" grpId="0" animBg="1" advAuto="0"/>
+      <p:bldP spid="152" grpId="0" animBg="1" advAuto="0"/>
+    </p:bldLst>
+  </p:timing>
 </p:sld>
 </file>
 
@@ -5204,6 +5453,13 @@
     <a:masterClrMapping/>
   </p:clrMapOvr>
   <p:transition spd="med"/>
+  <p:timing>
+    <p:tnLst>
+      <p:par>
+        <p:cTn id="1" dur="indefinite" restart="never" nodeType="tmRoot"/>
+      </p:par>
+    </p:tnLst>
+  </p:timing>
 </p:sld>
 </file>
 
